--- a/소프트웨어코딩(v2022)-자바심화/5강/35_임현덕_20220418.pptx
+++ b/소프트웨어코딩(v2022)-자바심화/5강/35_임현덕_20220418.pptx
@@ -7,9 +7,22 @@
   <p:sldIdLst>
     <p:sldId id="256" r:id="rId2"/>
     <p:sldId id="257" r:id="rId3"/>
-    <p:sldId id="258" r:id="rId4"/>
-    <p:sldId id="259" r:id="rId5"/>
-    <p:sldId id="260" r:id="rId6"/>
+    <p:sldId id="260" r:id="rId4"/>
+    <p:sldId id="261" r:id="rId5"/>
+    <p:sldId id="258" r:id="rId6"/>
+    <p:sldId id="259" r:id="rId7"/>
+    <p:sldId id="262" r:id="rId8"/>
+    <p:sldId id="263" r:id="rId9"/>
+    <p:sldId id="264" r:id="rId10"/>
+    <p:sldId id="269" r:id="rId11"/>
+    <p:sldId id="270" r:id="rId12"/>
+    <p:sldId id="271" r:id="rId13"/>
+    <p:sldId id="265" r:id="rId14"/>
+    <p:sldId id="266" r:id="rId15"/>
+    <p:sldId id="267" r:id="rId16"/>
+    <p:sldId id="272" r:id="rId17"/>
+    <p:sldId id="273" r:id="rId18"/>
+    <p:sldId id="274" r:id="rId19"/>
   </p:sldIdLst>
   <p:sldSz cx="12192000" cy="6858000"/>
   <p:notesSz cx="6858000" cy="9144000"/>
@@ -108,6 +121,11 @@
       </a:defRPr>
     </a:lvl9pPr>
   </p:defaultTextStyle>
+  <p:extLst>
+    <p:ext uri="{EFAFB233-063F-42B5-8137-9DF3F51BA10A}">
+      <p15:sldGuideLst xmlns:p15="http://schemas.microsoft.com/office/powerpoint/2012/main"/>
+    </p:ext>
+  </p:extLst>
 </p:presentation>
 </file>
 
@@ -242,7 +260,7 @@
           <a:p>
             <a:fld id="{E977DFC3-1421-4D94-BE67-E5658ADB1A11}" type="datetimeFigureOut">
               <a:rPr lang="ko-KR" altLang="en-US" smtClean="0"/>
-              <a:t>2022-04-18</a:t>
+              <a:t>2022-04-19</a:t>
             </a:fld>
             <a:endParaRPr lang="ko-KR" altLang="en-US"/>
           </a:p>
@@ -412,7 +430,7 @@
           <a:p>
             <a:fld id="{E977DFC3-1421-4D94-BE67-E5658ADB1A11}" type="datetimeFigureOut">
               <a:rPr lang="ko-KR" altLang="en-US" smtClean="0"/>
-              <a:t>2022-04-18</a:t>
+              <a:t>2022-04-19</a:t>
             </a:fld>
             <a:endParaRPr lang="ko-KR" altLang="en-US"/>
           </a:p>
@@ -592,7 +610,7 @@
           <a:p>
             <a:fld id="{E977DFC3-1421-4D94-BE67-E5658ADB1A11}" type="datetimeFigureOut">
               <a:rPr lang="ko-KR" altLang="en-US" smtClean="0"/>
-              <a:t>2022-04-18</a:t>
+              <a:t>2022-04-19</a:t>
             </a:fld>
             <a:endParaRPr lang="ko-KR" altLang="en-US"/>
           </a:p>
@@ -762,7 +780,7 @@
           <a:p>
             <a:fld id="{E977DFC3-1421-4D94-BE67-E5658ADB1A11}" type="datetimeFigureOut">
               <a:rPr lang="ko-KR" altLang="en-US" smtClean="0"/>
-              <a:t>2022-04-18</a:t>
+              <a:t>2022-04-19</a:t>
             </a:fld>
             <a:endParaRPr lang="ko-KR" altLang="en-US"/>
           </a:p>
@@ -1008,7 +1026,7 @@
           <a:p>
             <a:fld id="{E977DFC3-1421-4D94-BE67-E5658ADB1A11}" type="datetimeFigureOut">
               <a:rPr lang="ko-KR" altLang="en-US" smtClean="0"/>
-              <a:t>2022-04-18</a:t>
+              <a:t>2022-04-19</a:t>
             </a:fld>
             <a:endParaRPr lang="ko-KR" altLang="en-US"/>
           </a:p>
@@ -1240,7 +1258,7 @@
           <a:p>
             <a:fld id="{E977DFC3-1421-4D94-BE67-E5658ADB1A11}" type="datetimeFigureOut">
               <a:rPr lang="ko-KR" altLang="en-US" smtClean="0"/>
-              <a:t>2022-04-18</a:t>
+              <a:t>2022-04-19</a:t>
             </a:fld>
             <a:endParaRPr lang="ko-KR" altLang="en-US"/>
           </a:p>
@@ -1607,7 +1625,7 @@
           <a:p>
             <a:fld id="{E977DFC3-1421-4D94-BE67-E5658ADB1A11}" type="datetimeFigureOut">
               <a:rPr lang="ko-KR" altLang="en-US" smtClean="0"/>
-              <a:t>2022-04-18</a:t>
+              <a:t>2022-04-19</a:t>
             </a:fld>
             <a:endParaRPr lang="ko-KR" altLang="en-US"/>
           </a:p>
@@ -1725,7 +1743,7 @@
           <a:p>
             <a:fld id="{E977DFC3-1421-4D94-BE67-E5658ADB1A11}" type="datetimeFigureOut">
               <a:rPr lang="ko-KR" altLang="en-US" smtClean="0"/>
-              <a:t>2022-04-18</a:t>
+              <a:t>2022-04-19</a:t>
             </a:fld>
             <a:endParaRPr lang="ko-KR" altLang="en-US"/>
           </a:p>
@@ -1820,7 +1838,7 @@
           <a:p>
             <a:fld id="{E977DFC3-1421-4D94-BE67-E5658ADB1A11}" type="datetimeFigureOut">
               <a:rPr lang="ko-KR" altLang="en-US" smtClean="0"/>
-              <a:t>2022-04-18</a:t>
+              <a:t>2022-04-19</a:t>
             </a:fld>
             <a:endParaRPr lang="ko-KR" altLang="en-US"/>
           </a:p>
@@ -2097,7 +2115,7 @@
           <a:p>
             <a:fld id="{E977DFC3-1421-4D94-BE67-E5658ADB1A11}" type="datetimeFigureOut">
               <a:rPr lang="ko-KR" altLang="en-US" smtClean="0"/>
-              <a:t>2022-04-18</a:t>
+              <a:t>2022-04-19</a:t>
             </a:fld>
             <a:endParaRPr lang="ko-KR" altLang="en-US"/>
           </a:p>
@@ -2350,7 +2368,7 @@
           <a:p>
             <a:fld id="{E977DFC3-1421-4D94-BE67-E5658ADB1A11}" type="datetimeFigureOut">
               <a:rPr lang="ko-KR" altLang="en-US" smtClean="0"/>
-              <a:t>2022-04-18</a:t>
+              <a:t>2022-04-19</a:t>
             </a:fld>
             <a:endParaRPr lang="ko-KR" altLang="en-US"/>
           </a:p>
@@ -2563,7 +2581,7 @@
           <a:p>
             <a:fld id="{E977DFC3-1421-4D94-BE67-E5658ADB1A11}" type="datetimeFigureOut">
               <a:rPr lang="ko-KR" altLang="en-US" smtClean="0"/>
-              <a:t>2022-04-18</a:t>
+              <a:t>2022-04-19</a:t>
             </a:fld>
             <a:endParaRPr lang="ko-KR" altLang="en-US"/>
           </a:p>
@@ -3004,6 +3022,1965 @@
 </p:sld>
 </file>
 
+<file path=ppt/slides/slide10.xml><?xml version="1.0" encoding="utf-8"?>
+<p:sld xmlns:a="http://schemas.openxmlformats.org/drawingml/2006/main" xmlns:r="http://schemas.openxmlformats.org/officeDocument/2006/relationships" xmlns:p="http://schemas.openxmlformats.org/presentationml/2006/main">
+  <p:cSld>
+    <p:spTree>
+      <p:nvGrpSpPr>
+        <p:cNvPr id="1" name=""/>
+        <p:cNvGrpSpPr/>
+        <p:nvPr/>
+      </p:nvGrpSpPr>
+      <p:grpSpPr>
+        <a:xfrm>
+          <a:off x="0" y="0"/>
+          <a:ext cx="0" cy="0"/>
+          <a:chOff x="0" y="0"/>
+          <a:chExt cx="0" cy="0"/>
+        </a:xfrm>
+      </p:grpSpPr>
+      <p:sp>
+        <p:nvSpPr>
+          <p:cNvPr id="2" name="직사각형 1"/>
+          <p:cNvSpPr/>
+          <p:nvPr/>
+        </p:nvSpPr>
+        <p:spPr>
+          <a:xfrm>
+            <a:off x="0" y="0"/>
+            <a:ext cx="3691203" cy="951030"/>
+          </a:xfrm>
+          <a:prstGeom prst="rect">
+            <a:avLst/>
+          </a:prstGeom>
+        </p:spPr>
+        <p:txBody>
+          <a:bodyPr wrap="none">
+            <a:spAutoFit/>
+          </a:bodyPr>
+          <a:lstStyle/>
+          <a:p>
+            <a:pPr marL="285750" indent="-285750">
+              <a:lnSpc>
+                <a:spcPct val="130000"/>
+              </a:lnSpc>
+              <a:spcBef>
+                <a:spcPct val="50000"/>
+              </a:spcBef>
+              <a:buClr>
+                <a:srgbClr val="54158D"/>
+              </a:buClr>
+              <a:buFont typeface="Wingdings" panose="05000000000000000000" pitchFamily="2" charset="2"/>
+              <a:buChar char="ü"/>
+            </a:pPr>
+            <a:r>
+              <a:rPr lang="ko-KR" altLang="en-US" dirty="0"/>
+              <a:t>영수증 출력 </a:t>
+            </a:r>
+            <a:r>
+              <a:rPr lang="en-US" altLang="ko-KR" dirty="0" smtClean="0"/>
+              <a:t>2 - resize (p8)</a:t>
+            </a:r>
+          </a:p>
+          <a:p>
+            <a:pPr>
+              <a:lnSpc>
+                <a:spcPct val="130000"/>
+              </a:lnSpc>
+              <a:spcBef>
+                <a:spcPct val="50000"/>
+              </a:spcBef>
+              <a:buClr>
+                <a:srgbClr val="54158D"/>
+              </a:buClr>
+            </a:pPr>
+            <a:r>
+              <a:rPr lang="ko-KR" altLang="en-US" dirty="0"/>
+              <a:t>너비 </a:t>
+            </a:r>
+            <a:r>
+              <a:rPr lang="en-US" altLang="ko-KR" dirty="0"/>
+              <a:t>48byte</a:t>
+            </a:r>
+            <a:r>
+              <a:rPr lang="ko-KR" altLang="en-US" dirty="0"/>
+              <a:t>에서 </a:t>
+            </a:r>
+            <a:r>
+              <a:rPr lang="en-US" altLang="ko-KR" dirty="0"/>
+              <a:t>41byte</a:t>
+            </a:r>
+            <a:r>
+              <a:rPr lang="ko-KR" altLang="en-US" dirty="0"/>
+              <a:t>으로 </a:t>
+            </a:r>
+            <a:r>
+              <a:rPr lang="ko-KR" altLang="en-US" dirty="0" smtClean="0"/>
+              <a:t>조정</a:t>
+            </a:r>
+            <a:endParaRPr lang="ko-KR" altLang="en-US" dirty="0"/>
+          </a:p>
+        </p:txBody>
+      </p:sp>
+      <p:pic>
+        <p:nvPicPr>
+          <p:cNvPr id="4" name="그림 3"/>
+          <p:cNvPicPr>
+            <a:picLocks noChangeAspect="1"/>
+          </p:cNvPicPr>
+          <p:nvPr/>
+        </p:nvPicPr>
+        <p:blipFill>
+          <a:blip r:embed="rId2"/>
+          <a:stretch>
+            <a:fillRect/>
+          </a:stretch>
+        </p:blipFill>
+        <p:spPr>
+          <a:xfrm>
+            <a:off x="3865478" y="0"/>
+            <a:ext cx="8326522" cy="6858000"/>
+          </a:xfrm>
+          <a:prstGeom prst="rect">
+            <a:avLst/>
+          </a:prstGeom>
+        </p:spPr>
+      </p:pic>
+      <p:sp>
+        <p:nvSpPr>
+          <p:cNvPr id="6" name="직사각형 5"/>
+          <p:cNvSpPr/>
+          <p:nvPr/>
+        </p:nvSpPr>
+        <p:spPr>
+          <a:xfrm>
+            <a:off x="4439140" y="4962769"/>
+            <a:ext cx="6557106" cy="1895231"/>
+          </a:xfrm>
+          <a:prstGeom prst="rect">
+            <a:avLst/>
+          </a:prstGeom>
+          <a:noFill/>
+          <a:ln>
+            <a:solidFill>
+              <a:srgbClr val="FF0000"/>
+            </a:solidFill>
+          </a:ln>
+        </p:spPr>
+        <p:style>
+          <a:lnRef idx="2">
+            <a:schemeClr val="accent1">
+              <a:shade val="50000"/>
+            </a:schemeClr>
+          </a:lnRef>
+          <a:fillRef idx="1">
+            <a:schemeClr val="accent1"/>
+          </a:fillRef>
+          <a:effectRef idx="0">
+            <a:schemeClr val="accent1"/>
+          </a:effectRef>
+          <a:fontRef idx="minor">
+            <a:schemeClr val="lt1"/>
+          </a:fontRef>
+        </p:style>
+        <p:txBody>
+          <a:bodyPr rtlCol="0" anchor="ctr"/>
+          <a:lstStyle/>
+          <a:p>
+            <a:pPr algn="ctr"/>
+            <a:endParaRPr lang="ko-KR" altLang="en-US"/>
+          </a:p>
+        </p:txBody>
+      </p:sp>
+      <p:sp>
+        <p:nvSpPr>
+          <p:cNvPr id="8" name="직사각형 7"/>
+          <p:cNvSpPr/>
+          <p:nvPr/>
+        </p:nvSpPr>
+        <p:spPr>
+          <a:xfrm>
+            <a:off x="10308492" y="4962769"/>
+            <a:ext cx="687754" cy="406400"/>
+          </a:xfrm>
+          <a:prstGeom prst="rect">
+            <a:avLst/>
+          </a:prstGeom>
+          <a:solidFill>
+            <a:schemeClr val="bg1"/>
+          </a:solidFill>
+          <a:ln>
+            <a:noFill/>
+          </a:ln>
+        </p:spPr>
+        <p:style>
+          <a:lnRef idx="2">
+            <a:schemeClr val="accent1">
+              <a:shade val="50000"/>
+            </a:schemeClr>
+          </a:lnRef>
+          <a:fillRef idx="1">
+            <a:schemeClr val="accent1"/>
+          </a:fillRef>
+          <a:effectRef idx="0">
+            <a:schemeClr val="accent1"/>
+          </a:effectRef>
+          <a:fontRef idx="minor">
+            <a:schemeClr val="lt1"/>
+          </a:fontRef>
+        </p:style>
+        <p:txBody>
+          <a:bodyPr rtlCol="0" anchor="ctr"/>
+          <a:lstStyle/>
+          <a:p>
+            <a:pPr algn="ctr"/>
+            <a:r>
+              <a:rPr lang="ko-KR" altLang="en-US" dirty="0" smtClean="0">
+                <a:solidFill>
+                  <a:srgbClr val="FF0000"/>
+                </a:solidFill>
+              </a:rPr>
+              <a:t>계산</a:t>
+            </a:r>
+            <a:endParaRPr lang="ko-KR" altLang="en-US" dirty="0">
+              <a:solidFill>
+                <a:srgbClr val="FF0000"/>
+              </a:solidFill>
+            </a:endParaRPr>
+          </a:p>
+        </p:txBody>
+      </p:sp>
+      <p:pic>
+        <p:nvPicPr>
+          <p:cNvPr id="3" name="그림 2"/>
+          <p:cNvPicPr>
+            <a:picLocks noChangeAspect="1"/>
+          </p:cNvPicPr>
+          <p:nvPr/>
+        </p:nvPicPr>
+        <p:blipFill>
+          <a:blip r:embed="rId3"/>
+          <a:stretch>
+            <a:fillRect/>
+          </a:stretch>
+        </p:blipFill>
+        <p:spPr>
+          <a:xfrm>
+            <a:off x="0" y="951030"/>
+            <a:ext cx="2752542" cy="5906970"/>
+          </a:xfrm>
+          <a:prstGeom prst="rect">
+            <a:avLst/>
+          </a:prstGeom>
+        </p:spPr>
+      </p:pic>
+    </p:spTree>
+    <p:extLst>
+      <p:ext uri="{BB962C8B-B14F-4D97-AF65-F5344CB8AC3E}">
+        <p14:creationId xmlns:p14="http://schemas.microsoft.com/office/powerpoint/2010/main" val="3076705301"/>
+      </p:ext>
+    </p:extLst>
+  </p:cSld>
+  <p:clrMapOvr>
+    <a:masterClrMapping/>
+  </p:clrMapOvr>
+</p:sld>
+</file>
+
+<file path=ppt/slides/slide11.xml><?xml version="1.0" encoding="utf-8"?>
+<p:sld xmlns:a="http://schemas.openxmlformats.org/drawingml/2006/main" xmlns:r="http://schemas.openxmlformats.org/officeDocument/2006/relationships" xmlns:p="http://schemas.openxmlformats.org/presentationml/2006/main">
+  <p:cSld>
+    <p:spTree>
+      <p:nvGrpSpPr>
+        <p:cNvPr id="1" name=""/>
+        <p:cNvGrpSpPr/>
+        <p:nvPr/>
+      </p:nvGrpSpPr>
+      <p:grpSpPr>
+        <a:xfrm>
+          <a:off x="0" y="0"/>
+          <a:ext cx="0" cy="0"/>
+          <a:chOff x="0" y="0"/>
+          <a:chExt cx="0" cy="0"/>
+        </a:xfrm>
+      </p:grpSpPr>
+      <p:pic>
+        <p:nvPicPr>
+          <p:cNvPr id="4" name="그림 3"/>
+          <p:cNvPicPr>
+            <a:picLocks noChangeAspect="1"/>
+          </p:cNvPicPr>
+          <p:nvPr/>
+        </p:nvPicPr>
+        <p:blipFill>
+          <a:blip r:embed="rId2"/>
+          <a:stretch>
+            <a:fillRect/>
+          </a:stretch>
+        </p:blipFill>
+        <p:spPr>
+          <a:xfrm>
+            <a:off x="2911293" y="452432"/>
+            <a:ext cx="9280707" cy="6409468"/>
+          </a:xfrm>
+          <a:prstGeom prst="rect">
+            <a:avLst/>
+          </a:prstGeom>
+        </p:spPr>
+      </p:pic>
+      <p:sp>
+        <p:nvSpPr>
+          <p:cNvPr id="2" name="직사각형 1"/>
+          <p:cNvSpPr/>
+          <p:nvPr/>
+        </p:nvSpPr>
+        <p:spPr>
+          <a:xfrm>
+            <a:off x="0" y="0"/>
+            <a:ext cx="3251146" cy="452432"/>
+          </a:xfrm>
+          <a:prstGeom prst="rect">
+            <a:avLst/>
+          </a:prstGeom>
+        </p:spPr>
+        <p:txBody>
+          <a:bodyPr wrap="none">
+            <a:spAutoFit/>
+          </a:bodyPr>
+          <a:lstStyle/>
+          <a:p>
+            <a:pPr marL="285750" indent="-285750">
+              <a:lnSpc>
+                <a:spcPct val="130000"/>
+              </a:lnSpc>
+              <a:spcBef>
+                <a:spcPct val="50000"/>
+              </a:spcBef>
+              <a:buClr>
+                <a:srgbClr val="54158D"/>
+              </a:buClr>
+              <a:buFont typeface="Wingdings" panose="05000000000000000000" pitchFamily="2" charset="2"/>
+              <a:buChar char="ü"/>
+            </a:pPr>
+            <a:r>
+              <a:rPr lang="ko-KR" altLang="en-US" dirty="0"/>
+              <a:t>영수증 출력 </a:t>
+            </a:r>
+            <a:r>
+              <a:rPr lang="en-US" altLang="ko-KR" dirty="0" smtClean="0"/>
+              <a:t>2 - resize (p8)</a:t>
+            </a:r>
+            <a:endParaRPr lang="ko-KR" altLang="en-US" dirty="0"/>
+          </a:p>
+        </p:txBody>
+      </p:sp>
+      <p:sp>
+        <p:nvSpPr>
+          <p:cNvPr id="6" name="직사각형 5"/>
+          <p:cNvSpPr/>
+          <p:nvPr/>
+        </p:nvSpPr>
+        <p:spPr>
+          <a:xfrm>
+            <a:off x="3403600" y="2704123"/>
+            <a:ext cx="8694615" cy="2813539"/>
+          </a:xfrm>
+          <a:prstGeom prst="rect">
+            <a:avLst/>
+          </a:prstGeom>
+          <a:noFill/>
+          <a:ln>
+            <a:solidFill>
+              <a:srgbClr val="FF0000"/>
+            </a:solidFill>
+          </a:ln>
+        </p:spPr>
+        <p:style>
+          <a:lnRef idx="2">
+            <a:schemeClr val="accent1">
+              <a:shade val="50000"/>
+            </a:schemeClr>
+          </a:lnRef>
+          <a:fillRef idx="1">
+            <a:schemeClr val="accent1"/>
+          </a:fillRef>
+          <a:effectRef idx="0">
+            <a:schemeClr val="accent1"/>
+          </a:effectRef>
+          <a:fontRef idx="minor">
+            <a:schemeClr val="lt1"/>
+          </a:fontRef>
+        </p:style>
+        <p:txBody>
+          <a:bodyPr rtlCol="0" anchor="ctr"/>
+          <a:lstStyle/>
+          <a:p>
+            <a:pPr algn="ctr"/>
+            <a:endParaRPr lang="ko-KR" altLang="en-US"/>
+          </a:p>
+        </p:txBody>
+      </p:sp>
+      <p:sp>
+        <p:nvSpPr>
+          <p:cNvPr id="7" name="직사각형 6"/>
+          <p:cNvSpPr/>
+          <p:nvPr/>
+        </p:nvSpPr>
+        <p:spPr>
+          <a:xfrm>
+            <a:off x="10707077" y="5111262"/>
+            <a:ext cx="1391138" cy="406400"/>
+          </a:xfrm>
+          <a:prstGeom prst="rect">
+            <a:avLst/>
+          </a:prstGeom>
+          <a:solidFill>
+            <a:schemeClr val="bg1"/>
+          </a:solidFill>
+          <a:ln>
+            <a:noFill/>
+          </a:ln>
+        </p:spPr>
+        <p:style>
+          <a:lnRef idx="2">
+            <a:schemeClr val="accent1">
+              <a:shade val="50000"/>
+            </a:schemeClr>
+          </a:lnRef>
+          <a:fillRef idx="1">
+            <a:schemeClr val="accent1"/>
+          </a:fillRef>
+          <a:effectRef idx="0">
+            <a:schemeClr val="accent1"/>
+          </a:effectRef>
+          <a:fontRef idx="minor">
+            <a:schemeClr val="lt1"/>
+          </a:fontRef>
+        </p:style>
+        <p:txBody>
+          <a:bodyPr rtlCol="0" anchor="ctr"/>
+          <a:lstStyle/>
+          <a:p>
+            <a:pPr algn="ctr"/>
+            <a:r>
+              <a:rPr lang="ko-KR" altLang="en-US" smtClean="0">
+                <a:solidFill>
+                  <a:srgbClr val="FF0000"/>
+                </a:solidFill>
+              </a:rPr>
+              <a:t>상품 출력</a:t>
+            </a:r>
+            <a:endParaRPr lang="ko-KR" altLang="en-US" dirty="0">
+              <a:solidFill>
+                <a:srgbClr val="FF0000"/>
+              </a:solidFill>
+            </a:endParaRPr>
+          </a:p>
+        </p:txBody>
+      </p:sp>
+      <p:pic>
+        <p:nvPicPr>
+          <p:cNvPr id="8" name="그림 7"/>
+          <p:cNvPicPr>
+            <a:picLocks noChangeAspect="1"/>
+          </p:cNvPicPr>
+          <p:nvPr/>
+        </p:nvPicPr>
+        <p:blipFill rotWithShape="1">
+          <a:blip r:embed="rId3">
+            <a:extLst>
+              <a:ext uri="{28A0092B-C50C-407E-A947-70E740481C1C}">
+                <a14:useLocalDpi xmlns:a14="http://schemas.microsoft.com/office/drawing/2010/main" val="0"/>
+              </a:ext>
+            </a:extLst>
+          </a:blip>
+          <a:srcRect l="16630" t="20190" r="18434" b="2095"/>
+          <a:stretch/>
+        </p:blipFill>
+        <p:spPr>
+          <a:xfrm>
+            <a:off x="0" y="1528353"/>
+            <a:ext cx="2508069" cy="5329647"/>
+          </a:xfrm>
+          <a:prstGeom prst="rect">
+            <a:avLst/>
+          </a:prstGeom>
+        </p:spPr>
+      </p:pic>
+    </p:spTree>
+    <p:extLst>
+      <p:ext uri="{BB962C8B-B14F-4D97-AF65-F5344CB8AC3E}">
+        <p14:creationId xmlns:p14="http://schemas.microsoft.com/office/powerpoint/2010/main" val="523371365"/>
+      </p:ext>
+    </p:extLst>
+  </p:cSld>
+  <p:clrMapOvr>
+    <a:masterClrMapping/>
+  </p:clrMapOvr>
+</p:sld>
+</file>
+
+<file path=ppt/slides/slide12.xml><?xml version="1.0" encoding="utf-8"?>
+<p:sld xmlns:a="http://schemas.openxmlformats.org/drawingml/2006/main" xmlns:r="http://schemas.openxmlformats.org/officeDocument/2006/relationships" xmlns:p="http://schemas.openxmlformats.org/presentationml/2006/main">
+  <p:cSld>
+    <p:spTree>
+      <p:nvGrpSpPr>
+        <p:cNvPr id="1" name=""/>
+        <p:cNvGrpSpPr/>
+        <p:nvPr/>
+      </p:nvGrpSpPr>
+      <p:grpSpPr>
+        <a:xfrm>
+          <a:off x="0" y="0"/>
+          <a:ext cx="0" cy="0"/>
+          <a:chOff x="0" y="0"/>
+          <a:chExt cx="0" cy="0"/>
+        </a:xfrm>
+      </p:grpSpPr>
+      <p:sp>
+        <p:nvSpPr>
+          <p:cNvPr id="2" name="직사각형 1"/>
+          <p:cNvSpPr/>
+          <p:nvPr/>
+        </p:nvSpPr>
+        <p:spPr>
+          <a:xfrm>
+            <a:off x="0" y="0"/>
+            <a:ext cx="3251146" cy="452432"/>
+          </a:xfrm>
+          <a:prstGeom prst="rect">
+            <a:avLst/>
+          </a:prstGeom>
+        </p:spPr>
+        <p:txBody>
+          <a:bodyPr wrap="none">
+            <a:spAutoFit/>
+          </a:bodyPr>
+          <a:lstStyle/>
+          <a:p>
+            <a:pPr marL="285750" indent="-285750">
+              <a:lnSpc>
+                <a:spcPct val="130000"/>
+              </a:lnSpc>
+              <a:spcBef>
+                <a:spcPct val="50000"/>
+              </a:spcBef>
+              <a:buClr>
+                <a:srgbClr val="54158D"/>
+              </a:buClr>
+              <a:buFont typeface="Wingdings" panose="05000000000000000000" pitchFamily="2" charset="2"/>
+              <a:buChar char="ü"/>
+            </a:pPr>
+            <a:r>
+              <a:rPr lang="ko-KR" altLang="en-US" dirty="0"/>
+              <a:t>영수증 출력 </a:t>
+            </a:r>
+            <a:r>
+              <a:rPr lang="en-US" altLang="ko-KR" dirty="0" smtClean="0"/>
+              <a:t>2 - resize (p8)</a:t>
+            </a:r>
+            <a:endParaRPr lang="ko-KR" altLang="en-US" dirty="0"/>
+          </a:p>
+        </p:txBody>
+      </p:sp>
+      <p:pic>
+        <p:nvPicPr>
+          <p:cNvPr id="6" name="그림 5"/>
+          <p:cNvPicPr>
+            <a:picLocks noChangeAspect="1"/>
+          </p:cNvPicPr>
+          <p:nvPr/>
+        </p:nvPicPr>
+        <p:blipFill>
+          <a:blip r:embed="rId2"/>
+          <a:stretch>
+            <a:fillRect/>
+          </a:stretch>
+        </p:blipFill>
+        <p:spPr>
+          <a:xfrm>
+            <a:off x="0" y="694233"/>
+            <a:ext cx="12192000" cy="5469534"/>
+          </a:xfrm>
+          <a:prstGeom prst="rect">
+            <a:avLst/>
+          </a:prstGeom>
+        </p:spPr>
+      </p:pic>
+      <p:sp>
+        <p:nvSpPr>
+          <p:cNvPr id="7" name="직사각형 6"/>
+          <p:cNvSpPr/>
+          <p:nvPr/>
+        </p:nvSpPr>
+        <p:spPr>
+          <a:xfrm>
+            <a:off x="461108" y="2196123"/>
+            <a:ext cx="11730892" cy="3712308"/>
+          </a:xfrm>
+          <a:prstGeom prst="rect">
+            <a:avLst/>
+          </a:prstGeom>
+          <a:noFill/>
+          <a:ln>
+            <a:solidFill>
+              <a:srgbClr val="FF0000"/>
+            </a:solidFill>
+          </a:ln>
+        </p:spPr>
+        <p:style>
+          <a:lnRef idx="2">
+            <a:schemeClr val="accent1">
+              <a:shade val="50000"/>
+            </a:schemeClr>
+          </a:lnRef>
+          <a:fillRef idx="1">
+            <a:schemeClr val="accent1"/>
+          </a:fillRef>
+          <a:effectRef idx="0">
+            <a:schemeClr val="accent1"/>
+          </a:effectRef>
+          <a:fontRef idx="minor">
+            <a:schemeClr val="lt1"/>
+          </a:fontRef>
+        </p:style>
+        <p:txBody>
+          <a:bodyPr rtlCol="0" anchor="ctr"/>
+          <a:lstStyle/>
+          <a:p>
+            <a:pPr algn="ctr"/>
+            <a:endParaRPr lang="ko-KR" altLang="en-US"/>
+          </a:p>
+        </p:txBody>
+      </p:sp>
+      <p:sp>
+        <p:nvSpPr>
+          <p:cNvPr id="8" name="직사각형 7"/>
+          <p:cNvSpPr/>
+          <p:nvPr/>
+        </p:nvSpPr>
+        <p:spPr>
+          <a:xfrm>
+            <a:off x="9808309" y="2196123"/>
+            <a:ext cx="2383692" cy="406400"/>
+          </a:xfrm>
+          <a:prstGeom prst="rect">
+            <a:avLst/>
+          </a:prstGeom>
+          <a:solidFill>
+            <a:schemeClr val="bg1"/>
+          </a:solidFill>
+          <a:ln>
+            <a:noFill/>
+          </a:ln>
+        </p:spPr>
+        <p:style>
+          <a:lnRef idx="2">
+            <a:schemeClr val="accent1">
+              <a:shade val="50000"/>
+            </a:schemeClr>
+          </a:lnRef>
+          <a:fillRef idx="1">
+            <a:schemeClr val="accent1"/>
+          </a:fillRef>
+          <a:effectRef idx="0">
+            <a:schemeClr val="accent1"/>
+          </a:effectRef>
+          <a:fontRef idx="minor">
+            <a:schemeClr val="lt1"/>
+          </a:fontRef>
+        </p:style>
+        <p:txBody>
+          <a:bodyPr rtlCol="0" anchor="ctr"/>
+          <a:lstStyle/>
+          <a:p>
+            <a:pPr algn="ctr"/>
+            <a:r>
+              <a:rPr lang="ko-KR" altLang="en-US" dirty="0" smtClean="0">
+                <a:solidFill>
+                  <a:srgbClr val="FF0000"/>
+                </a:solidFill>
+              </a:rPr>
+              <a:t>상품명 출력 함수</a:t>
+            </a:r>
+            <a:endParaRPr lang="ko-KR" altLang="en-US" dirty="0">
+              <a:solidFill>
+                <a:srgbClr val="FF0000"/>
+              </a:solidFill>
+            </a:endParaRPr>
+          </a:p>
+        </p:txBody>
+      </p:sp>
+    </p:spTree>
+    <p:extLst>
+      <p:ext uri="{BB962C8B-B14F-4D97-AF65-F5344CB8AC3E}">
+        <p14:creationId xmlns:p14="http://schemas.microsoft.com/office/powerpoint/2010/main" val="3739497945"/>
+      </p:ext>
+    </p:extLst>
+  </p:cSld>
+  <p:clrMapOvr>
+    <a:masterClrMapping/>
+  </p:clrMapOvr>
+</p:sld>
+</file>
+
+<file path=ppt/slides/slide13.xml><?xml version="1.0" encoding="utf-8"?>
+<p:sld xmlns:a="http://schemas.openxmlformats.org/drawingml/2006/main" xmlns:r="http://schemas.openxmlformats.org/officeDocument/2006/relationships" xmlns:p="http://schemas.openxmlformats.org/presentationml/2006/main">
+  <p:cSld>
+    <p:spTree>
+      <p:nvGrpSpPr>
+        <p:cNvPr id="1" name=""/>
+        <p:cNvGrpSpPr/>
+        <p:nvPr/>
+      </p:nvGrpSpPr>
+      <p:grpSpPr>
+        <a:xfrm>
+          <a:off x="0" y="0"/>
+          <a:ext cx="0" cy="0"/>
+          <a:chOff x="0" y="0"/>
+          <a:chExt cx="0" cy="0"/>
+        </a:xfrm>
+      </p:grpSpPr>
+      <p:sp>
+        <p:nvSpPr>
+          <p:cNvPr id="2" name="직사각형 1"/>
+          <p:cNvSpPr/>
+          <p:nvPr/>
+        </p:nvSpPr>
+        <p:spPr>
+          <a:xfrm>
+            <a:off x="0" y="0"/>
+            <a:ext cx="2404826" cy="452432"/>
+          </a:xfrm>
+          <a:prstGeom prst="rect">
+            <a:avLst/>
+          </a:prstGeom>
+        </p:spPr>
+        <p:txBody>
+          <a:bodyPr wrap="none">
+            <a:spAutoFit/>
+          </a:bodyPr>
+          <a:lstStyle/>
+          <a:p>
+            <a:pPr marL="285750" indent="-285750">
+              <a:lnSpc>
+                <a:spcPct val="130000"/>
+              </a:lnSpc>
+              <a:spcBef>
+                <a:spcPct val="50000"/>
+              </a:spcBef>
+              <a:buClr>
+                <a:srgbClr val="54158D"/>
+              </a:buClr>
+              <a:buFont typeface="Wingdings" panose="05000000000000000000" pitchFamily="2" charset="2"/>
+              <a:buChar char="ü"/>
+            </a:pPr>
+            <a:r>
+              <a:rPr lang="ko-KR" altLang="en-US" dirty="0"/>
+              <a:t>영수증 출력 </a:t>
+            </a:r>
+            <a:r>
+              <a:rPr lang="en-US" altLang="ko-KR" dirty="0" smtClean="0"/>
+              <a:t>3 (p9)</a:t>
+            </a:r>
+            <a:endParaRPr lang="ko-KR" altLang="en-US" dirty="0"/>
+          </a:p>
+        </p:txBody>
+      </p:sp>
+      <p:pic>
+        <p:nvPicPr>
+          <p:cNvPr id="4" name="그림 3"/>
+          <p:cNvPicPr>
+            <a:picLocks noChangeAspect="1"/>
+          </p:cNvPicPr>
+          <p:nvPr/>
+        </p:nvPicPr>
+        <p:blipFill>
+          <a:blip r:embed="rId2"/>
+          <a:stretch>
+            <a:fillRect/>
+          </a:stretch>
+        </p:blipFill>
+        <p:spPr>
+          <a:xfrm>
+            <a:off x="3169394" y="0"/>
+            <a:ext cx="8919787" cy="6858000"/>
+          </a:xfrm>
+          <a:prstGeom prst="rect">
+            <a:avLst/>
+          </a:prstGeom>
+        </p:spPr>
+      </p:pic>
+      <p:pic>
+        <p:nvPicPr>
+          <p:cNvPr id="5" name="그림 4"/>
+          <p:cNvPicPr>
+            <a:picLocks noChangeAspect="1"/>
+          </p:cNvPicPr>
+          <p:nvPr/>
+        </p:nvPicPr>
+        <p:blipFill rotWithShape="1">
+          <a:blip r:embed="rId3"/>
+          <a:srcRect t="-701" r="51098" b="-1"/>
+          <a:stretch/>
+        </p:blipFill>
+        <p:spPr>
+          <a:xfrm>
+            <a:off x="0" y="452432"/>
+            <a:ext cx="1989221" cy="6409398"/>
+          </a:xfrm>
+          <a:prstGeom prst="rect">
+            <a:avLst/>
+          </a:prstGeom>
+        </p:spPr>
+      </p:pic>
+    </p:spTree>
+    <p:extLst>
+      <p:ext uri="{BB962C8B-B14F-4D97-AF65-F5344CB8AC3E}">
+        <p14:creationId xmlns:p14="http://schemas.microsoft.com/office/powerpoint/2010/main" val="3231297534"/>
+      </p:ext>
+    </p:extLst>
+  </p:cSld>
+  <p:clrMapOvr>
+    <a:masterClrMapping/>
+  </p:clrMapOvr>
+</p:sld>
+</file>
+
+<file path=ppt/slides/slide14.xml><?xml version="1.0" encoding="utf-8"?>
+<p:sld xmlns:a="http://schemas.openxmlformats.org/drawingml/2006/main" xmlns:r="http://schemas.openxmlformats.org/officeDocument/2006/relationships" xmlns:p="http://schemas.openxmlformats.org/presentationml/2006/main">
+  <p:cSld>
+    <p:spTree>
+      <p:nvGrpSpPr>
+        <p:cNvPr id="1" name=""/>
+        <p:cNvGrpSpPr/>
+        <p:nvPr/>
+      </p:nvGrpSpPr>
+      <p:grpSpPr>
+        <a:xfrm>
+          <a:off x="0" y="0"/>
+          <a:ext cx="0" cy="0"/>
+          <a:chOff x="0" y="0"/>
+          <a:chExt cx="0" cy="0"/>
+        </a:xfrm>
+      </p:grpSpPr>
+      <p:pic>
+        <p:nvPicPr>
+          <p:cNvPr id="3" name="그림 2"/>
+          <p:cNvPicPr>
+            <a:picLocks noChangeAspect="1"/>
+          </p:cNvPicPr>
+          <p:nvPr/>
+        </p:nvPicPr>
+        <p:blipFill>
+          <a:blip r:embed="rId2"/>
+          <a:stretch>
+            <a:fillRect/>
+          </a:stretch>
+        </p:blipFill>
+        <p:spPr>
+          <a:xfrm>
+            <a:off x="2034045" y="452432"/>
+            <a:ext cx="10329358" cy="6405568"/>
+          </a:xfrm>
+          <a:prstGeom prst="rect">
+            <a:avLst/>
+          </a:prstGeom>
+        </p:spPr>
+      </p:pic>
+      <p:sp>
+        <p:nvSpPr>
+          <p:cNvPr id="6" name="직사각형 5"/>
+          <p:cNvSpPr/>
+          <p:nvPr/>
+        </p:nvSpPr>
+        <p:spPr>
+          <a:xfrm>
+            <a:off x="0" y="0"/>
+            <a:ext cx="2404826" cy="452432"/>
+          </a:xfrm>
+          <a:prstGeom prst="rect">
+            <a:avLst/>
+          </a:prstGeom>
+        </p:spPr>
+        <p:txBody>
+          <a:bodyPr wrap="none">
+            <a:spAutoFit/>
+          </a:bodyPr>
+          <a:lstStyle/>
+          <a:p>
+            <a:pPr marL="285750" indent="-285750">
+              <a:lnSpc>
+                <a:spcPct val="130000"/>
+              </a:lnSpc>
+              <a:spcBef>
+                <a:spcPct val="50000"/>
+              </a:spcBef>
+              <a:buClr>
+                <a:srgbClr val="54158D"/>
+              </a:buClr>
+              <a:buFont typeface="Wingdings" panose="05000000000000000000" pitchFamily="2" charset="2"/>
+              <a:buChar char="ü"/>
+            </a:pPr>
+            <a:r>
+              <a:rPr lang="ko-KR" altLang="en-US" dirty="0"/>
+              <a:t>영수증 출력 </a:t>
+            </a:r>
+            <a:r>
+              <a:rPr lang="en-US" altLang="ko-KR" dirty="0" smtClean="0"/>
+              <a:t>3 (p9)</a:t>
+            </a:r>
+            <a:endParaRPr lang="ko-KR" altLang="en-US" dirty="0"/>
+          </a:p>
+        </p:txBody>
+      </p:sp>
+      <p:sp>
+        <p:nvSpPr>
+          <p:cNvPr id="7" name="직사각형 6"/>
+          <p:cNvSpPr/>
+          <p:nvPr/>
+        </p:nvSpPr>
+        <p:spPr>
+          <a:xfrm>
+            <a:off x="2665046" y="2344617"/>
+            <a:ext cx="9526953" cy="906584"/>
+          </a:xfrm>
+          <a:prstGeom prst="rect">
+            <a:avLst/>
+          </a:prstGeom>
+          <a:noFill/>
+          <a:ln>
+            <a:solidFill>
+              <a:srgbClr val="FF0000"/>
+            </a:solidFill>
+          </a:ln>
+        </p:spPr>
+        <p:style>
+          <a:lnRef idx="2">
+            <a:schemeClr val="accent1">
+              <a:shade val="50000"/>
+            </a:schemeClr>
+          </a:lnRef>
+          <a:fillRef idx="1">
+            <a:schemeClr val="accent1"/>
+          </a:fillRef>
+          <a:effectRef idx="0">
+            <a:schemeClr val="accent1"/>
+          </a:effectRef>
+          <a:fontRef idx="minor">
+            <a:schemeClr val="lt1"/>
+          </a:fontRef>
+        </p:style>
+        <p:txBody>
+          <a:bodyPr rtlCol="0" anchor="ctr"/>
+          <a:lstStyle/>
+          <a:p>
+            <a:pPr algn="ctr"/>
+            <a:endParaRPr lang="ko-KR" altLang="en-US"/>
+          </a:p>
+        </p:txBody>
+      </p:sp>
+      <p:sp>
+        <p:nvSpPr>
+          <p:cNvPr id="8" name="직사각형 7"/>
+          <p:cNvSpPr/>
+          <p:nvPr/>
+        </p:nvSpPr>
+        <p:spPr>
+          <a:xfrm>
+            <a:off x="10800861" y="2344617"/>
+            <a:ext cx="1391138" cy="406400"/>
+          </a:xfrm>
+          <a:prstGeom prst="rect">
+            <a:avLst/>
+          </a:prstGeom>
+          <a:solidFill>
+            <a:schemeClr val="bg1"/>
+          </a:solidFill>
+          <a:ln>
+            <a:noFill/>
+          </a:ln>
+        </p:spPr>
+        <p:style>
+          <a:lnRef idx="2">
+            <a:schemeClr val="accent1">
+              <a:shade val="50000"/>
+            </a:schemeClr>
+          </a:lnRef>
+          <a:fillRef idx="1">
+            <a:schemeClr val="accent1"/>
+          </a:fillRef>
+          <a:effectRef idx="0">
+            <a:schemeClr val="accent1"/>
+          </a:effectRef>
+          <a:fontRef idx="minor">
+            <a:schemeClr val="lt1"/>
+          </a:fontRef>
+        </p:style>
+        <p:txBody>
+          <a:bodyPr rtlCol="0" anchor="ctr"/>
+          <a:lstStyle/>
+          <a:p>
+            <a:pPr algn="ctr"/>
+            <a:r>
+              <a:rPr lang="ko-KR" altLang="en-US" dirty="0" smtClean="0">
+                <a:solidFill>
+                  <a:srgbClr val="FF0000"/>
+                </a:solidFill>
+              </a:rPr>
+              <a:t>계산</a:t>
+            </a:r>
+            <a:endParaRPr lang="ko-KR" altLang="en-US" dirty="0">
+              <a:solidFill>
+                <a:srgbClr val="FF0000"/>
+              </a:solidFill>
+            </a:endParaRPr>
+          </a:p>
+        </p:txBody>
+      </p:sp>
+      <p:sp>
+        <p:nvSpPr>
+          <p:cNvPr id="9" name="직사각형 8"/>
+          <p:cNvSpPr/>
+          <p:nvPr/>
+        </p:nvSpPr>
+        <p:spPr>
+          <a:xfrm>
+            <a:off x="2665045" y="452432"/>
+            <a:ext cx="9698357" cy="1783631"/>
+          </a:xfrm>
+          <a:prstGeom prst="rect">
+            <a:avLst/>
+          </a:prstGeom>
+          <a:noFill/>
+          <a:ln>
+            <a:solidFill>
+              <a:srgbClr val="FF0000"/>
+            </a:solidFill>
+          </a:ln>
+        </p:spPr>
+        <p:style>
+          <a:lnRef idx="2">
+            <a:schemeClr val="accent1">
+              <a:shade val="50000"/>
+            </a:schemeClr>
+          </a:lnRef>
+          <a:fillRef idx="1">
+            <a:schemeClr val="accent1"/>
+          </a:fillRef>
+          <a:effectRef idx="0">
+            <a:schemeClr val="accent1"/>
+          </a:effectRef>
+          <a:fontRef idx="minor">
+            <a:schemeClr val="lt1"/>
+          </a:fontRef>
+        </p:style>
+        <p:txBody>
+          <a:bodyPr rtlCol="0" anchor="ctr"/>
+          <a:lstStyle/>
+          <a:p>
+            <a:pPr algn="ctr"/>
+            <a:endParaRPr lang="ko-KR" altLang="en-US"/>
+          </a:p>
+        </p:txBody>
+      </p:sp>
+      <p:sp>
+        <p:nvSpPr>
+          <p:cNvPr id="10" name="직사각형 9"/>
+          <p:cNvSpPr/>
+          <p:nvPr/>
+        </p:nvSpPr>
+        <p:spPr>
+          <a:xfrm>
+            <a:off x="10972264" y="452432"/>
+            <a:ext cx="1391138" cy="406400"/>
+          </a:xfrm>
+          <a:prstGeom prst="rect">
+            <a:avLst/>
+          </a:prstGeom>
+          <a:solidFill>
+            <a:schemeClr val="bg1"/>
+          </a:solidFill>
+          <a:ln>
+            <a:noFill/>
+          </a:ln>
+        </p:spPr>
+        <p:style>
+          <a:lnRef idx="2">
+            <a:schemeClr val="accent1">
+              <a:shade val="50000"/>
+            </a:schemeClr>
+          </a:lnRef>
+          <a:fillRef idx="1">
+            <a:schemeClr val="accent1"/>
+          </a:fillRef>
+          <a:effectRef idx="0">
+            <a:schemeClr val="accent1"/>
+          </a:effectRef>
+          <a:fontRef idx="minor">
+            <a:schemeClr val="lt1"/>
+          </a:fontRef>
+        </p:style>
+        <p:txBody>
+          <a:bodyPr rtlCol="0" anchor="ctr"/>
+          <a:lstStyle/>
+          <a:p>
+            <a:pPr algn="ctr"/>
+            <a:r>
+              <a:rPr lang="ko-KR" altLang="en-US" dirty="0" smtClean="0">
+                <a:solidFill>
+                  <a:srgbClr val="FF0000"/>
+                </a:solidFill>
+              </a:rPr>
+              <a:t>상품 출력</a:t>
+            </a:r>
+            <a:endParaRPr lang="ko-KR" altLang="en-US" dirty="0">
+              <a:solidFill>
+                <a:srgbClr val="FF0000"/>
+              </a:solidFill>
+            </a:endParaRPr>
+          </a:p>
+        </p:txBody>
+      </p:sp>
+    </p:spTree>
+    <p:extLst>
+      <p:ext uri="{BB962C8B-B14F-4D97-AF65-F5344CB8AC3E}">
+        <p14:creationId xmlns:p14="http://schemas.microsoft.com/office/powerpoint/2010/main" val="1630824278"/>
+      </p:ext>
+    </p:extLst>
+  </p:cSld>
+  <p:clrMapOvr>
+    <a:masterClrMapping/>
+  </p:clrMapOvr>
+</p:sld>
+</file>
+
+<file path=ppt/slides/slide15.xml><?xml version="1.0" encoding="utf-8"?>
+<p:sld xmlns:a="http://schemas.openxmlformats.org/drawingml/2006/main" xmlns:r="http://schemas.openxmlformats.org/officeDocument/2006/relationships" xmlns:p="http://schemas.openxmlformats.org/presentationml/2006/main">
+  <p:cSld>
+    <p:spTree>
+      <p:nvGrpSpPr>
+        <p:cNvPr id="1" name=""/>
+        <p:cNvGrpSpPr/>
+        <p:nvPr/>
+      </p:nvGrpSpPr>
+      <p:grpSpPr>
+        <a:xfrm>
+          <a:off x="0" y="0"/>
+          <a:ext cx="0" cy="0"/>
+          <a:chOff x="0" y="0"/>
+          <a:chExt cx="0" cy="0"/>
+        </a:xfrm>
+      </p:grpSpPr>
+      <p:sp>
+        <p:nvSpPr>
+          <p:cNvPr id="4" name="직사각형 3"/>
+          <p:cNvSpPr/>
+          <p:nvPr/>
+        </p:nvSpPr>
+        <p:spPr>
+          <a:xfrm>
+            <a:off x="0" y="0"/>
+            <a:ext cx="2404826" cy="452432"/>
+          </a:xfrm>
+          <a:prstGeom prst="rect">
+            <a:avLst/>
+          </a:prstGeom>
+        </p:spPr>
+        <p:txBody>
+          <a:bodyPr wrap="none">
+            <a:spAutoFit/>
+          </a:bodyPr>
+          <a:lstStyle/>
+          <a:p>
+            <a:pPr marL="285750" indent="-285750">
+              <a:lnSpc>
+                <a:spcPct val="130000"/>
+              </a:lnSpc>
+              <a:spcBef>
+                <a:spcPct val="50000"/>
+              </a:spcBef>
+              <a:buClr>
+                <a:srgbClr val="54158D"/>
+              </a:buClr>
+              <a:buFont typeface="Wingdings" panose="05000000000000000000" pitchFamily="2" charset="2"/>
+              <a:buChar char="ü"/>
+            </a:pPr>
+            <a:r>
+              <a:rPr lang="ko-KR" altLang="en-US" dirty="0"/>
+              <a:t>영수증 출력 </a:t>
+            </a:r>
+            <a:r>
+              <a:rPr lang="en-US" altLang="ko-KR" dirty="0" smtClean="0"/>
+              <a:t>3 (p9)</a:t>
+            </a:r>
+            <a:endParaRPr lang="ko-KR" altLang="en-US" dirty="0"/>
+          </a:p>
+        </p:txBody>
+      </p:sp>
+      <p:pic>
+        <p:nvPicPr>
+          <p:cNvPr id="5" name="그림 4"/>
+          <p:cNvPicPr>
+            <a:picLocks noChangeAspect="1"/>
+          </p:cNvPicPr>
+          <p:nvPr/>
+        </p:nvPicPr>
+        <p:blipFill>
+          <a:blip r:embed="rId2"/>
+          <a:stretch>
+            <a:fillRect/>
+          </a:stretch>
+        </p:blipFill>
+        <p:spPr>
+          <a:xfrm>
+            <a:off x="0" y="1466288"/>
+            <a:ext cx="12192000" cy="3925424"/>
+          </a:xfrm>
+          <a:prstGeom prst="rect">
+            <a:avLst/>
+          </a:prstGeom>
+        </p:spPr>
+      </p:pic>
+      <p:sp>
+        <p:nvSpPr>
+          <p:cNvPr id="9" name="직사각형 8"/>
+          <p:cNvSpPr/>
+          <p:nvPr/>
+        </p:nvSpPr>
+        <p:spPr>
+          <a:xfrm>
+            <a:off x="10160000" y="1466288"/>
+            <a:ext cx="2032000" cy="406400"/>
+          </a:xfrm>
+          <a:prstGeom prst="rect">
+            <a:avLst/>
+          </a:prstGeom>
+          <a:solidFill>
+            <a:schemeClr val="bg1"/>
+          </a:solidFill>
+          <a:ln>
+            <a:noFill/>
+          </a:ln>
+        </p:spPr>
+        <p:style>
+          <a:lnRef idx="2">
+            <a:schemeClr val="accent1">
+              <a:shade val="50000"/>
+            </a:schemeClr>
+          </a:lnRef>
+          <a:fillRef idx="1">
+            <a:schemeClr val="accent1"/>
+          </a:fillRef>
+          <a:effectRef idx="0">
+            <a:schemeClr val="accent1"/>
+          </a:effectRef>
+          <a:fontRef idx="minor">
+            <a:schemeClr val="lt1"/>
+          </a:fontRef>
+        </p:style>
+        <p:txBody>
+          <a:bodyPr rtlCol="0" anchor="ctr"/>
+          <a:lstStyle/>
+          <a:p>
+            <a:pPr algn="ctr"/>
+            <a:r>
+              <a:rPr lang="ko-KR" altLang="en-US" smtClean="0">
+                <a:solidFill>
+                  <a:srgbClr val="FF0000"/>
+                </a:solidFill>
+              </a:rPr>
+              <a:t>상품명 출력 함수</a:t>
+            </a:r>
+            <a:endParaRPr lang="ko-KR" altLang="en-US" dirty="0">
+              <a:solidFill>
+                <a:srgbClr val="FF0000"/>
+              </a:solidFill>
+            </a:endParaRPr>
+          </a:p>
+        </p:txBody>
+      </p:sp>
+    </p:spTree>
+    <p:extLst>
+      <p:ext uri="{BB962C8B-B14F-4D97-AF65-F5344CB8AC3E}">
+        <p14:creationId xmlns:p14="http://schemas.microsoft.com/office/powerpoint/2010/main" val="2313976665"/>
+      </p:ext>
+    </p:extLst>
+  </p:cSld>
+  <p:clrMapOvr>
+    <a:masterClrMapping/>
+  </p:clrMapOvr>
+</p:sld>
+</file>
+
+<file path=ppt/slides/slide16.xml><?xml version="1.0" encoding="utf-8"?>
+<p:sld xmlns:a="http://schemas.openxmlformats.org/drawingml/2006/main" xmlns:r="http://schemas.openxmlformats.org/officeDocument/2006/relationships" xmlns:p="http://schemas.openxmlformats.org/presentationml/2006/main">
+  <p:cSld>
+    <p:spTree>
+      <p:nvGrpSpPr>
+        <p:cNvPr id="1" name=""/>
+        <p:cNvGrpSpPr/>
+        <p:nvPr/>
+      </p:nvGrpSpPr>
+      <p:grpSpPr>
+        <a:xfrm>
+          <a:off x="0" y="0"/>
+          <a:ext cx="0" cy="0"/>
+          <a:chOff x="0" y="0"/>
+          <a:chExt cx="0" cy="0"/>
+        </a:xfrm>
+      </p:grpSpPr>
+      <p:sp>
+        <p:nvSpPr>
+          <p:cNvPr id="4" name="직사각형 3"/>
+          <p:cNvSpPr/>
+          <p:nvPr/>
+        </p:nvSpPr>
+        <p:spPr>
+          <a:xfrm>
+            <a:off x="0" y="0"/>
+            <a:ext cx="3979744" cy="1449628"/>
+          </a:xfrm>
+          <a:prstGeom prst="rect">
+            <a:avLst/>
+          </a:prstGeom>
+        </p:spPr>
+        <p:txBody>
+          <a:bodyPr wrap="none">
+            <a:spAutoFit/>
+          </a:bodyPr>
+          <a:lstStyle/>
+          <a:p>
+            <a:pPr marL="285750" indent="-285750">
+              <a:lnSpc>
+                <a:spcPct val="130000"/>
+              </a:lnSpc>
+              <a:spcBef>
+                <a:spcPct val="50000"/>
+              </a:spcBef>
+              <a:buClr>
+                <a:srgbClr val="54158D"/>
+              </a:buClr>
+              <a:buFont typeface="Wingdings" panose="05000000000000000000" pitchFamily="2" charset="2"/>
+              <a:buChar char="ü"/>
+            </a:pPr>
+            <a:r>
+              <a:rPr lang="ko-KR" altLang="en-US" dirty="0"/>
+              <a:t>영수증 출력 </a:t>
+            </a:r>
+            <a:r>
+              <a:rPr lang="en-US" altLang="ko-KR" dirty="0" smtClean="0"/>
+              <a:t>3 - resize (p9)</a:t>
+            </a:r>
+          </a:p>
+          <a:p>
+            <a:pPr marL="285750" indent="-285750">
+              <a:lnSpc>
+                <a:spcPct val="130000"/>
+              </a:lnSpc>
+              <a:spcBef>
+                <a:spcPct val="50000"/>
+              </a:spcBef>
+              <a:buClr>
+                <a:srgbClr val="54158D"/>
+              </a:buClr>
+              <a:buFont typeface="Wingdings" panose="05000000000000000000" pitchFamily="2" charset="2"/>
+              <a:buChar char="ü"/>
+            </a:pPr>
+            <a:r>
+              <a:rPr lang="ko-KR" altLang="en-US" dirty="0"/>
+              <a:t>너비 </a:t>
+            </a:r>
+            <a:r>
+              <a:rPr lang="en-US" altLang="ko-KR" dirty="0" smtClean="0"/>
+              <a:t>46byte</a:t>
+            </a:r>
+            <a:r>
+              <a:rPr lang="ko-KR" altLang="en-US" dirty="0"/>
+              <a:t>에서 </a:t>
+            </a:r>
+            <a:r>
+              <a:rPr lang="en-US" altLang="ko-KR" dirty="0"/>
+              <a:t>41byte</a:t>
+            </a:r>
+            <a:r>
+              <a:rPr lang="ko-KR" altLang="en-US" dirty="0"/>
+              <a:t>으로 조정</a:t>
+            </a:r>
+          </a:p>
+          <a:p>
+            <a:pPr marL="285750" indent="-285750">
+              <a:lnSpc>
+                <a:spcPct val="130000"/>
+              </a:lnSpc>
+              <a:spcBef>
+                <a:spcPct val="50000"/>
+              </a:spcBef>
+              <a:buClr>
+                <a:srgbClr val="54158D"/>
+              </a:buClr>
+              <a:buFont typeface="Wingdings" panose="05000000000000000000" pitchFamily="2" charset="2"/>
+              <a:buChar char="ü"/>
+            </a:pPr>
+            <a:endParaRPr lang="ko-KR" altLang="en-US" dirty="0"/>
+          </a:p>
+        </p:txBody>
+      </p:sp>
+      <p:pic>
+        <p:nvPicPr>
+          <p:cNvPr id="3" name="그림 2"/>
+          <p:cNvPicPr>
+            <a:picLocks noChangeAspect="1"/>
+          </p:cNvPicPr>
+          <p:nvPr/>
+        </p:nvPicPr>
+        <p:blipFill>
+          <a:blip r:embed="rId2"/>
+          <a:stretch>
+            <a:fillRect/>
+          </a:stretch>
+        </p:blipFill>
+        <p:spPr>
+          <a:xfrm>
+            <a:off x="3932012" y="0"/>
+            <a:ext cx="8259988" cy="6858000"/>
+          </a:xfrm>
+          <a:prstGeom prst="rect">
+            <a:avLst/>
+          </a:prstGeom>
+        </p:spPr>
+      </p:pic>
+      <p:pic>
+        <p:nvPicPr>
+          <p:cNvPr id="5" name="그림 4"/>
+          <p:cNvPicPr>
+            <a:picLocks noChangeAspect="1"/>
+          </p:cNvPicPr>
+          <p:nvPr/>
+        </p:nvPicPr>
+        <p:blipFill rotWithShape="1">
+          <a:blip r:embed="rId3"/>
+          <a:srcRect t="-228" r="59624" b="1"/>
+          <a:stretch/>
+        </p:blipFill>
+        <p:spPr>
+          <a:xfrm>
+            <a:off x="-1" y="930031"/>
+            <a:ext cx="1664677" cy="5914533"/>
+          </a:xfrm>
+          <a:prstGeom prst="rect">
+            <a:avLst/>
+          </a:prstGeom>
+        </p:spPr>
+      </p:pic>
+    </p:spTree>
+    <p:extLst>
+      <p:ext uri="{BB962C8B-B14F-4D97-AF65-F5344CB8AC3E}">
+        <p14:creationId xmlns:p14="http://schemas.microsoft.com/office/powerpoint/2010/main" val="1181311799"/>
+      </p:ext>
+    </p:extLst>
+  </p:cSld>
+  <p:clrMapOvr>
+    <a:masterClrMapping/>
+  </p:clrMapOvr>
+</p:sld>
+</file>
+
+<file path=ppt/slides/slide17.xml><?xml version="1.0" encoding="utf-8"?>
+<p:sld xmlns:a="http://schemas.openxmlformats.org/drawingml/2006/main" xmlns:r="http://schemas.openxmlformats.org/officeDocument/2006/relationships" xmlns:p="http://schemas.openxmlformats.org/presentationml/2006/main">
+  <p:cSld>
+    <p:spTree>
+      <p:nvGrpSpPr>
+        <p:cNvPr id="1" name=""/>
+        <p:cNvGrpSpPr/>
+        <p:nvPr/>
+      </p:nvGrpSpPr>
+      <p:grpSpPr>
+        <a:xfrm>
+          <a:off x="0" y="0"/>
+          <a:ext cx="0" cy="0"/>
+          <a:chOff x="0" y="0"/>
+          <a:chExt cx="0" cy="0"/>
+        </a:xfrm>
+      </p:grpSpPr>
+      <p:sp>
+        <p:nvSpPr>
+          <p:cNvPr id="4" name="직사각형 3"/>
+          <p:cNvSpPr/>
+          <p:nvPr/>
+        </p:nvSpPr>
+        <p:spPr>
+          <a:xfrm>
+            <a:off x="0" y="0"/>
+            <a:ext cx="3251146" cy="452432"/>
+          </a:xfrm>
+          <a:prstGeom prst="rect">
+            <a:avLst/>
+          </a:prstGeom>
+        </p:spPr>
+        <p:txBody>
+          <a:bodyPr wrap="none">
+            <a:spAutoFit/>
+          </a:bodyPr>
+          <a:lstStyle/>
+          <a:p>
+            <a:pPr marL="285750" indent="-285750">
+              <a:lnSpc>
+                <a:spcPct val="130000"/>
+              </a:lnSpc>
+              <a:spcBef>
+                <a:spcPct val="50000"/>
+              </a:spcBef>
+              <a:buClr>
+                <a:srgbClr val="54158D"/>
+              </a:buClr>
+              <a:buFont typeface="Wingdings" panose="05000000000000000000" pitchFamily="2" charset="2"/>
+              <a:buChar char="ü"/>
+            </a:pPr>
+            <a:r>
+              <a:rPr lang="ko-KR" altLang="en-US" dirty="0"/>
+              <a:t>영수증 출력 </a:t>
+            </a:r>
+            <a:r>
+              <a:rPr lang="en-US" altLang="ko-KR" dirty="0" smtClean="0"/>
+              <a:t>3 - resize (p9)</a:t>
+            </a:r>
+            <a:endParaRPr lang="ko-KR" altLang="en-US" dirty="0"/>
+          </a:p>
+        </p:txBody>
+      </p:sp>
+      <p:pic>
+        <p:nvPicPr>
+          <p:cNvPr id="3" name="그림 2"/>
+          <p:cNvPicPr>
+            <a:picLocks noChangeAspect="1"/>
+          </p:cNvPicPr>
+          <p:nvPr/>
+        </p:nvPicPr>
+        <p:blipFill>
+          <a:blip r:embed="rId2"/>
+          <a:stretch>
+            <a:fillRect/>
+          </a:stretch>
+        </p:blipFill>
+        <p:spPr>
+          <a:xfrm>
+            <a:off x="1717627" y="452432"/>
+            <a:ext cx="10474373" cy="6405568"/>
+          </a:xfrm>
+          <a:prstGeom prst="rect">
+            <a:avLst/>
+          </a:prstGeom>
+        </p:spPr>
+      </p:pic>
+      <p:sp>
+        <p:nvSpPr>
+          <p:cNvPr id="5" name="직사각형 4"/>
+          <p:cNvSpPr/>
+          <p:nvPr/>
+        </p:nvSpPr>
+        <p:spPr>
+          <a:xfrm>
+            <a:off x="2469662" y="531446"/>
+            <a:ext cx="9487875" cy="1899139"/>
+          </a:xfrm>
+          <a:prstGeom prst="rect">
+            <a:avLst/>
+          </a:prstGeom>
+          <a:noFill/>
+          <a:ln>
+            <a:solidFill>
+              <a:srgbClr val="FF0000"/>
+            </a:solidFill>
+          </a:ln>
+        </p:spPr>
+        <p:style>
+          <a:lnRef idx="2">
+            <a:schemeClr val="accent1">
+              <a:shade val="50000"/>
+            </a:schemeClr>
+          </a:lnRef>
+          <a:fillRef idx="1">
+            <a:schemeClr val="accent1"/>
+          </a:fillRef>
+          <a:effectRef idx="0">
+            <a:schemeClr val="accent1"/>
+          </a:effectRef>
+          <a:fontRef idx="minor">
+            <a:schemeClr val="lt1"/>
+          </a:fontRef>
+        </p:style>
+        <p:txBody>
+          <a:bodyPr rtlCol="0" anchor="ctr"/>
+          <a:lstStyle/>
+          <a:p>
+            <a:pPr algn="ctr"/>
+            <a:endParaRPr lang="ko-KR" altLang="en-US"/>
+          </a:p>
+        </p:txBody>
+      </p:sp>
+      <p:sp>
+        <p:nvSpPr>
+          <p:cNvPr id="6" name="직사각형 5"/>
+          <p:cNvSpPr/>
+          <p:nvPr/>
+        </p:nvSpPr>
+        <p:spPr>
+          <a:xfrm>
+            <a:off x="10566399" y="531446"/>
+            <a:ext cx="1391138" cy="406400"/>
+          </a:xfrm>
+          <a:prstGeom prst="rect">
+            <a:avLst/>
+          </a:prstGeom>
+          <a:solidFill>
+            <a:schemeClr val="bg1"/>
+          </a:solidFill>
+          <a:ln>
+            <a:noFill/>
+          </a:ln>
+        </p:spPr>
+        <p:style>
+          <a:lnRef idx="2">
+            <a:schemeClr val="accent1">
+              <a:shade val="50000"/>
+            </a:schemeClr>
+          </a:lnRef>
+          <a:fillRef idx="1">
+            <a:schemeClr val="accent1"/>
+          </a:fillRef>
+          <a:effectRef idx="0">
+            <a:schemeClr val="accent1"/>
+          </a:effectRef>
+          <a:fontRef idx="minor">
+            <a:schemeClr val="lt1"/>
+          </a:fontRef>
+        </p:style>
+        <p:txBody>
+          <a:bodyPr rtlCol="0" anchor="ctr"/>
+          <a:lstStyle/>
+          <a:p>
+            <a:pPr algn="ctr"/>
+            <a:r>
+              <a:rPr lang="ko-KR" altLang="en-US" smtClean="0">
+                <a:solidFill>
+                  <a:srgbClr val="FF0000"/>
+                </a:solidFill>
+              </a:rPr>
+              <a:t>상품 출력</a:t>
+            </a:r>
+            <a:endParaRPr lang="ko-KR" altLang="en-US" dirty="0">
+              <a:solidFill>
+                <a:srgbClr val="FF0000"/>
+              </a:solidFill>
+            </a:endParaRPr>
+          </a:p>
+        </p:txBody>
+      </p:sp>
+      <p:sp>
+        <p:nvSpPr>
+          <p:cNvPr id="7" name="직사각형 6"/>
+          <p:cNvSpPr/>
+          <p:nvPr/>
+        </p:nvSpPr>
+        <p:spPr>
+          <a:xfrm>
+            <a:off x="2469661" y="2430586"/>
+            <a:ext cx="9487875" cy="914400"/>
+          </a:xfrm>
+          <a:prstGeom prst="rect">
+            <a:avLst/>
+          </a:prstGeom>
+          <a:noFill/>
+          <a:ln>
+            <a:solidFill>
+              <a:srgbClr val="FF0000"/>
+            </a:solidFill>
+          </a:ln>
+        </p:spPr>
+        <p:style>
+          <a:lnRef idx="2">
+            <a:schemeClr val="accent1">
+              <a:shade val="50000"/>
+            </a:schemeClr>
+          </a:lnRef>
+          <a:fillRef idx="1">
+            <a:schemeClr val="accent1"/>
+          </a:fillRef>
+          <a:effectRef idx="0">
+            <a:schemeClr val="accent1"/>
+          </a:effectRef>
+          <a:fontRef idx="minor">
+            <a:schemeClr val="lt1"/>
+          </a:fontRef>
+        </p:style>
+        <p:txBody>
+          <a:bodyPr rtlCol="0" anchor="ctr"/>
+          <a:lstStyle/>
+          <a:p>
+            <a:pPr algn="ctr"/>
+            <a:endParaRPr lang="ko-KR" altLang="en-US"/>
+          </a:p>
+        </p:txBody>
+      </p:sp>
+      <p:sp>
+        <p:nvSpPr>
+          <p:cNvPr id="8" name="직사각형 7"/>
+          <p:cNvSpPr/>
+          <p:nvPr/>
+        </p:nvSpPr>
+        <p:spPr>
+          <a:xfrm>
+            <a:off x="10566399" y="2430585"/>
+            <a:ext cx="1391138" cy="406400"/>
+          </a:xfrm>
+          <a:prstGeom prst="rect">
+            <a:avLst/>
+          </a:prstGeom>
+          <a:solidFill>
+            <a:schemeClr val="bg1"/>
+          </a:solidFill>
+          <a:ln>
+            <a:noFill/>
+          </a:ln>
+        </p:spPr>
+        <p:style>
+          <a:lnRef idx="2">
+            <a:schemeClr val="accent1">
+              <a:shade val="50000"/>
+            </a:schemeClr>
+          </a:lnRef>
+          <a:fillRef idx="1">
+            <a:schemeClr val="accent1"/>
+          </a:fillRef>
+          <a:effectRef idx="0">
+            <a:schemeClr val="accent1"/>
+          </a:effectRef>
+          <a:fontRef idx="minor">
+            <a:schemeClr val="lt1"/>
+          </a:fontRef>
+        </p:style>
+        <p:txBody>
+          <a:bodyPr rtlCol="0" anchor="ctr"/>
+          <a:lstStyle/>
+          <a:p>
+            <a:pPr algn="ctr"/>
+            <a:r>
+              <a:rPr lang="ko-KR" altLang="en-US" dirty="0" smtClean="0">
+                <a:solidFill>
+                  <a:srgbClr val="FF0000"/>
+                </a:solidFill>
+              </a:rPr>
+              <a:t>계산</a:t>
+            </a:r>
+            <a:endParaRPr lang="ko-KR" altLang="en-US" dirty="0">
+              <a:solidFill>
+                <a:srgbClr val="FF0000"/>
+              </a:solidFill>
+            </a:endParaRPr>
+          </a:p>
+        </p:txBody>
+      </p:sp>
+      <p:pic>
+        <p:nvPicPr>
+          <p:cNvPr id="9" name="그림 8"/>
+          <p:cNvPicPr>
+            <a:picLocks noChangeAspect="1"/>
+          </p:cNvPicPr>
+          <p:nvPr/>
+        </p:nvPicPr>
+        <p:blipFill rotWithShape="1">
+          <a:blip r:embed="rId3">
+            <a:extLst>
+              <a:ext uri="{28A0092B-C50C-407E-A947-70E740481C1C}">
+                <a14:useLocalDpi xmlns:a14="http://schemas.microsoft.com/office/drawing/2010/main" val="0"/>
+              </a:ext>
+            </a:extLst>
+          </a:blip>
+          <a:srcRect l="22041" t="4191" r="26213" b="4952"/>
+          <a:stretch/>
+        </p:blipFill>
+        <p:spPr>
+          <a:xfrm>
+            <a:off x="1" y="452432"/>
+            <a:ext cx="2054616" cy="6405568"/>
+          </a:xfrm>
+          <a:prstGeom prst="rect">
+            <a:avLst/>
+          </a:prstGeom>
+        </p:spPr>
+      </p:pic>
+    </p:spTree>
+    <p:extLst>
+      <p:ext uri="{BB962C8B-B14F-4D97-AF65-F5344CB8AC3E}">
+        <p14:creationId xmlns:p14="http://schemas.microsoft.com/office/powerpoint/2010/main" val="1412807121"/>
+      </p:ext>
+    </p:extLst>
+  </p:cSld>
+  <p:clrMapOvr>
+    <a:masterClrMapping/>
+  </p:clrMapOvr>
+</p:sld>
+</file>
+
+<file path=ppt/slides/slide18.xml><?xml version="1.0" encoding="utf-8"?>
+<p:sld xmlns:a="http://schemas.openxmlformats.org/drawingml/2006/main" xmlns:r="http://schemas.openxmlformats.org/officeDocument/2006/relationships" xmlns:p="http://schemas.openxmlformats.org/presentationml/2006/main">
+  <p:cSld>
+    <p:spTree>
+      <p:nvGrpSpPr>
+        <p:cNvPr id="1" name=""/>
+        <p:cNvGrpSpPr/>
+        <p:nvPr/>
+      </p:nvGrpSpPr>
+      <p:grpSpPr>
+        <a:xfrm>
+          <a:off x="0" y="0"/>
+          <a:ext cx="0" cy="0"/>
+          <a:chOff x="0" y="0"/>
+          <a:chExt cx="0" cy="0"/>
+        </a:xfrm>
+      </p:grpSpPr>
+      <p:sp>
+        <p:nvSpPr>
+          <p:cNvPr id="4" name="직사각형 3"/>
+          <p:cNvSpPr/>
+          <p:nvPr/>
+        </p:nvSpPr>
+        <p:spPr>
+          <a:xfrm>
+            <a:off x="0" y="0"/>
+            <a:ext cx="3251146" cy="452432"/>
+          </a:xfrm>
+          <a:prstGeom prst="rect">
+            <a:avLst/>
+          </a:prstGeom>
+        </p:spPr>
+        <p:txBody>
+          <a:bodyPr wrap="none">
+            <a:spAutoFit/>
+          </a:bodyPr>
+          <a:lstStyle/>
+          <a:p>
+            <a:pPr marL="285750" indent="-285750">
+              <a:lnSpc>
+                <a:spcPct val="130000"/>
+              </a:lnSpc>
+              <a:spcBef>
+                <a:spcPct val="50000"/>
+              </a:spcBef>
+              <a:buClr>
+                <a:srgbClr val="54158D"/>
+              </a:buClr>
+              <a:buFont typeface="Wingdings" panose="05000000000000000000" pitchFamily="2" charset="2"/>
+              <a:buChar char="ü"/>
+            </a:pPr>
+            <a:r>
+              <a:rPr lang="ko-KR" altLang="en-US" dirty="0"/>
+              <a:t>영수증 출력 </a:t>
+            </a:r>
+            <a:r>
+              <a:rPr lang="en-US" altLang="ko-KR" dirty="0" smtClean="0"/>
+              <a:t>3 - resize (p9)</a:t>
+            </a:r>
+            <a:endParaRPr lang="ko-KR" altLang="en-US" dirty="0"/>
+          </a:p>
+        </p:txBody>
+      </p:sp>
+      <p:pic>
+        <p:nvPicPr>
+          <p:cNvPr id="2" name="그림 1"/>
+          <p:cNvPicPr>
+            <a:picLocks noChangeAspect="1"/>
+          </p:cNvPicPr>
+          <p:nvPr/>
+        </p:nvPicPr>
+        <p:blipFill>
+          <a:blip r:embed="rId2"/>
+          <a:stretch>
+            <a:fillRect/>
+          </a:stretch>
+        </p:blipFill>
+        <p:spPr>
+          <a:xfrm>
+            <a:off x="0" y="1742157"/>
+            <a:ext cx="12192000" cy="3826978"/>
+          </a:xfrm>
+          <a:prstGeom prst="rect">
+            <a:avLst/>
+          </a:prstGeom>
+        </p:spPr>
+      </p:pic>
+      <p:sp>
+        <p:nvSpPr>
+          <p:cNvPr id="6" name="직사각형 5"/>
+          <p:cNvSpPr/>
+          <p:nvPr/>
+        </p:nvSpPr>
+        <p:spPr>
+          <a:xfrm>
+            <a:off x="9964615" y="1742157"/>
+            <a:ext cx="2227385" cy="406400"/>
+          </a:xfrm>
+          <a:prstGeom prst="rect">
+            <a:avLst/>
+          </a:prstGeom>
+          <a:solidFill>
+            <a:schemeClr val="bg1"/>
+          </a:solidFill>
+          <a:ln>
+            <a:noFill/>
+          </a:ln>
+        </p:spPr>
+        <p:style>
+          <a:lnRef idx="2">
+            <a:schemeClr val="accent1">
+              <a:shade val="50000"/>
+            </a:schemeClr>
+          </a:lnRef>
+          <a:fillRef idx="1">
+            <a:schemeClr val="accent1"/>
+          </a:fillRef>
+          <a:effectRef idx="0">
+            <a:schemeClr val="accent1"/>
+          </a:effectRef>
+          <a:fontRef idx="minor">
+            <a:schemeClr val="lt1"/>
+          </a:fontRef>
+        </p:style>
+        <p:txBody>
+          <a:bodyPr rtlCol="0" anchor="ctr"/>
+          <a:lstStyle/>
+          <a:p>
+            <a:pPr algn="ctr"/>
+            <a:r>
+              <a:rPr lang="ko-KR" altLang="en-US" smtClean="0">
+                <a:solidFill>
+                  <a:srgbClr val="FF0000"/>
+                </a:solidFill>
+              </a:rPr>
+              <a:t>상품명 출력 함수</a:t>
+            </a:r>
+            <a:endParaRPr lang="ko-KR" altLang="en-US" dirty="0">
+              <a:solidFill>
+                <a:srgbClr val="FF0000"/>
+              </a:solidFill>
+            </a:endParaRPr>
+          </a:p>
+        </p:txBody>
+      </p:sp>
+    </p:spTree>
+    <p:extLst>
+      <p:ext uri="{BB962C8B-B14F-4D97-AF65-F5344CB8AC3E}">
+        <p14:creationId xmlns:p14="http://schemas.microsoft.com/office/powerpoint/2010/main" val="2436115179"/>
+      </p:ext>
+    </p:extLst>
+  </p:cSld>
+  <p:clrMapOvr>
+    <a:masterClrMapping/>
+  </p:clrMapOvr>
+</p:sld>
+</file>
+
 <file path=ppt/slides/slide2.xml><?xml version="1.0" encoding="utf-8"?>
 <p:sld xmlns:a="http://schemas.openxmlformats.org/drawingml/2006/main" xmlns:r="http://schemas.openxmlformats.org/officeDocument/2006/relationships" xmlns:p="http://schemas.openxmlformats.org/presentationml/2006/main">
   <p:cSld>
@@ -3145,30 +5122,6 @@
           <a:chExt cx="0" cy="0"/>
         </a:xfrm>
       </p:grpSpPr>
-      <p:pic>
-        <p:nvPicPr>
-          <p:cNvPr id="7" name="그림 6"/>
-          <p:cNvPicPr>
-            <a:picLocks noChangeAspect="1"/>
-          </p:cNvPicPr>
-          <p:nvPr/>
-        </p:nvPicPr>
-        <p:blipFill>
-          <a:blip r:embed="rId2"/>
-          <a:stretch>
-            <a:fillRect/>
-          </a:stretch>
-        </p:blipFill>
-        <p:spPr>
-          <a:xfrm>
-            <a:off x="0" y="452432"/>
-            <a:ext cx="12192000" cy="3981807"/>
-          </a:xfrm>
-          <a:prstGeom prst="rect">
-            <a:avLst/>
-          </a:prstGeom>
-        </p:spPr>
-      </p:pic>
       <p:sp>
         <p:nvSpPr>
           <p:cNvPr id="5" name="직사각형 4"/>
@@ -3204,20 +5157,16 @@
               <a:buChar char="ü"/>
             </a:pPr>
             <a:r>
-              <a:rPr lang="ko-KR" altLang="en-US" dirty="0" smtClean="0"/>
+              <a:rPr lang="ko-KR" altLang="en-US" dirty="0"/>
               <a:t>구구단 인쇄</a:t>
             </a:r>
             <a:r>
+              <a:rPr lang="en-US" altLang="ko-KR" dirty="0"/>
+              <a:t>(2</a:t>
+            </a:r>
+            <a:r>
               <a:rPr lang="en-US" altLang="ko-KR" dirty="0" smtClean="0"/>
-              <a:t>(2)</a:t>
-            </a:r>
-            <a:r>
-              <a:rPr lang="ko-KR" altLang="en-US" dirty="0" smtClean="0"/>
-              <a:t> </a:t>
-            </a:r>
-            <a:r>
-              <a:rPr lang="en-US" altLang="ko-KR" dirty="0" smtClean="0"/>
-              <a:t>(p5)</a:t>
+              <a:t>) (p5)</a:t>
             </a:r>
             <a:endParaRPr lang="ko-KR" altLang="en-US" dirty="0"/>
           </a:p>
@@ -3226,6 +5175,30 @@
       <p:pic>
         <p:nvPicPr>
           <p:cNvPr id="6" name="그림 5"/>
+          <p:cNvPicPr>
+            <a:picLocks noChangeAspect="1"/>
+          </p:cNvPicPr>
+          <p:nvPr/>
+        </p:nvPicPr>
+        <p:blipFill>
+          <a:blip r:embed="rId2"/>
+          <a:stretch>
+            <a:fillRect/>
+          </a:stretch>
+        </p:blipFill>
+        <p:spPr>
+          <a:xfrm>
+            <a:off x="0" y="677144"/>
+            <a:ext cx="12192000" cy="3610743"/>
+          </a:xfrm>
+          <a:prstGeom prst="rect">
+            <a:avLst/>
+          </a:prstGeom>
+        </p:spPr>
+      </p:pic>
+      <p:pic>
+        <p:nvPicPr>
+          <p:cNvPr id="7" name="그림 6"/>
           <p:cNvPicPr>
             <a:picLocks noChangeAspect="1"/>
           </p:cNvPicPr>
@@ -3239,8 +5212,8 @@
         </p:blipFill>
         <p:spPr>
           <a:xfrm>
-            <a:off x="10250905" y="3513219"/>
-            <a:ext cx="1941095" cy="3322890"/>
+            <a:off x="10039510" y="3383182"/>
+            <a:ext cx="2152490" cy="3474818"/>
           </a:xfrm>
           <a:prstGeom prst="rect">
             <a:avLst/>
@@ -3250,7 +5223,7 @@
     </p:spTree>
     <p:extLst>
       <p:ext uri="{BB962C8B-B14F-4D97-AF65-F5344CB8AC3E}">
-        <p14:creationId xmlns:p14="http://schemas.microsoft.com/office/powerpoint/2010/main" val="125070726"/>
+        <p14:creationId xmlns:p14="http://schemas.microsoft.com/office/powerpoint/2010/main" val="4225650835"/>
       </p:ext>
     </p:extLst>
   </p:cSld>
@@ -3286,7 +5259,7 @@
         <p:spPr>
           <a:xfrm>
             <a:off x="0" y="0"/>
-            <a:ext cx="1965603" cy="412742"/>
+            <a:ext cx="1965603" cy="452432"/>
           </a:xfrm>
           <a:prstGeom prst="rect">
             <a:avLst/>
@@ -3312,16 +5285,16 @@
               <a:buChar char="ü"/>
             </a:pPr>
             <a:r>
+              <a:rPr lang="ko-KR" altLang="en-US" dirty="0"/>
+              <a:t>달력 </a:t>
+            </a:r>
+            <a:r>
               <a:rPr lang="ko-KR" altLang="en-US" dirty="0" smtClean="0"/>
-              <a:t>달력 인쇄 </a:t>
+              <a:t>인쇄 </a:t>
             </a:r>
             <a:r>
               <a:rPr lang="en-US" altLang="ko-KR" dirty="0" smtClean="0"/>
-              <a:t>(</a:t>
-            </a:r>
-            <a:r>
-              <a:rPr lang="en-US" altLang="ko-KR" dirty="0" smtClean="0"/>
-              <a:t>p6)</a:t>
+              <a:t>(p6)</a:t>
             </a:r>
             <a:endParaRPr lang="ko-KR" altLang="en-US" dirty="0"/>
           </a:p>
@@ -3329,7 +5302,7 @@
       </p:sp>
       <p:pic>
         <p:nvPicPr>
-          <p:cNvPr id="7" name="그림 6"/>
+          <p:cNvPr id="6" name="그림 5"/>
           <p:cNvPicPr>
             <a:picLocks noChangeAspect="1"/>
           </p:cNvPicPr>
@@ -3343,8 +5316,8 @@
         </p:blipFill>
         <p:spPr>
           <a:xfrm>
-            <a:off x="0" y="412742"/>
-            <a:ext cx="10696575" cy="5848350"/>
+            <a:off x="0" y="452432"/>
+            <a:ext cx="10639425" cy="5857875"/>
           </a:xfrm>
           <a:prstGeom prst="rect">
             <a:avLst/>
@@ -3353,22 +5326,21 @@
       </p:pic>
       <p:pic>
         <p:nvPicPr>
-          <p:cNvPr id="8" name="그림 7"/>
+          <p:cNvPr id="7" name="그림 6"/>
           <p:cNvPicPr>
             <a:picLocks noChangeAspect="1"/>
           </p:cNvPicPr>
           <p:nvPr/>
         </p:nvPicPr>
-        <p:blipFill>
+        <p:blipFill rotWithShape="1">
           <a:blip r:embed="rId3"/>
-          <a:stretch>
-            <a:fillRect/>
-          </a:stretch>
+          <a:srcRect t="-24" r="55960"/>
+          <a:stretch/>
         </p:blipFill>
         <p:spPr>
           <a:xfrm>
-            <a:off x="11494168" y="0"/>
-            <a:ext cx="697832" cy="6858000"/>
+            <a:off x="11469604" y="-16361"/>
+            <a:ext cx="722396" cy="6859627"/>
           </a:xfrm>
           <a:prstGeom prst="rect">
             <a:avLst/>
@@ -3378,7 +5350,7 @@
     </p:spTree>
     <p:extLst>
       <p:ext uri="{BB962C8B-B14F-4D97-AF65-F5344CB8AC3E}">
-        <p14:creationId xmlns:p14="http://schemas.microsoft.com/office/powerpoint/2010/main" val="3575037988"/>
+        <p14:creationId xmlns:p14="http://schemas.microsoft.com/office/powerpoint/2010/main" val="2686483739"/>
       </p:ext>
     </p:extLst>
   </p:cSld>
@@ -3407,7 +5379,7 @@
       </p:grpSpPr>
       <p:sp>
         <p:nvSpPr>
-          <p:cNvPr id="4" name="직사각형 3"/>
+          <p:cNvPr id="2" name="직사각형 1"/>
           <p:cNvSpPr/>
           <p:nvPr/>
         </p:nvSpPr>
@@ -3440,7 +5412,7 @@
               <a:buChar char="ü"/>
             </a:pPr>
             <a:r>
-              <a:rPr lang="ko-KR" altLang="en-US" dirty="0" smtClean="0"/>
+              <a:rPr lang="ko-KR" altLang="en-US" dirty="0"/>
               <a:t>영수증 출력 </a:t>
             </a:r>
             <a:r>
@@ -3467,8 +5439,286 @@
         </p:blipFill>
         <p:spPr>
           <a:xfrm>
-            <a:off x="4151345" y="0"/>
-            <a:ext cx="8040655" cy="6858000"/>
+            <a:off x="4229686" y="0"/>
+            <a:ext cx="7962314" cy="6858000"/>
+          </a:xfrm>
+          <a:prstGeom prst="rect">
+            <a:avLst/>
+          </a:prstGeom>
+        </p:spPr>
+      </p:pic>
+      <p:sp>
+        <p:nvSpPr>
+          <p:cNvPr id="6" name="직사각형 5"/>
+          <p:cNvSpPr/>
+          <p:nvPr/>
+        </p:nvSpPr>
+        <p:spPr>
+          <a:xfrm>
+            <a:off x="4775201" y="2524369"/>
+            <a:ext cx="5955323" cy="695569"/>
+          </a:xfrm>
+          <a:prstGeom prst="rect">
+            <a:avLst/>
+          </a:prstGeom>
+          <a:noFill/>
+          <a:ln>
+            <a:solidFill>
+              <a:srgbClr val="FF0000"/>
+            </a:solidFill>
+          </a:ln>
+        </p:spPr>
+        <p:style>
+          <a:lnRef idx="2">
+            <a:schemeClr val="accent1">
+              <a:shade val="50000"/>
+            </a:schemeClr>
+          </a:lnRef>
+          <a:fillRef idx="1">
+            <a:schemeClr val="accent1"/>
+          </a:fillRef>
+          <a:effectRef idx="0">
+            <a:schemeClr val="accent1"/>
+          </a:effectRef>
+          <a:fontRef idx="minor">
+            <a:schemeClr val="lt1"/>
+          </a:fontRef>
+        </p:style>
+        <p:txBody>
+          <a:bodyPr rtlCol="0" anchor="ctr"/>
+          <a:lstStyle/>
+          <a:p>
+            <a:pPr algn="ctr"/>
+            <a:endParaRPr lang="ko-KR" altLang="en-US"/>
+          </a:p>
+        </p:txBody>
+      </p:sp>
+      <p:pic>
+        <p:nvPicPr>
+          <p:cNvPr id="3" name="그림 2"/>
+          <p:cNvPicPr>
+            <a:picLocks noChangeAspect="1"/>
+          </p:cNvPicPr>
+          <p:nvPr/>
+        </p:nvPicPr>
+        <p:blipFill>
+          <a:blip r:embed="rId3"/>
+          <a:stretch>
+            <a:fillRect/>
+          </a:stretch>
+        </p:blipFill>
+        <p:spPr>
+          <a:xfrm>
+            <a:off x="0" y="1580606"/>
+            <a:ext cx="4239018" cy="5277394"/>
+          </a:xfrm>
+          <a:prstGeom prst="rect">
+            <a:avLst/>
+          </a:prstGeom>
+        </p:spPr>
+      </p:pic>
+    </p:spTree>
+    <p:extLst>
+      <p:ext uri="{BB962C8B-B14F-4D97-AF65-F5344CB8AC3E}">
+        <p14:creationId xmlns:p14="http://schemas.microsoft.com/office/powerpoint/2010/main" val="2477942032"/>
+      </p:ext>
+    </p:extLst>
+  </p:cSld>
+  <p:clrMapOvr>
+    <a:masterClrMapping/>
+  </p:clrMapOvr>
+</p:sld>
+</file>
+
+<file path=ppt/slides/slide6.xml><?xml version="1.0" encoding="utf-8"?>
+<p:sld xmlns:a="http://schemas.openxmlformats.org/drawingml/2006/main" xmlns:r="http://schemas.openxmlformats.org/officeDocument/2006/relationships" xmlns:p="http://schemas.openxmlformats.org/presentationml/2006/main">
+  <p:cSld>
+    <p:spTree>
+      <p:nvGrpSpPr>
+        <p:cNvPr id="1" name=""/>
+        <p:cNvGrpSpPr/>
+        <p:nvPr/>
+      </p:nvGrpSpPr>
+      <p:grpSpPr>
+        <a:xfrm>
+          <a:off x="0" y="0"/>
+          <a:ext cx="0" cy="0"/>
+          <a:chOff x="0" y="0"/>
+          <a:chExt cx="0" cy="0"/>
+        </a:xfrm>
+      </p:grpSpPr>
+      <p:sp>
+        <p:nvSpPr>
+          <p:cNvPr id="2" name="직사각형 1"/>
+          <p:cNvSpPr/>
+          <p:nvPr/>
+        </p:nvSpPr>
+        <p:spPr>
+          <a:xfrm>
+            <a:off x="0" y="0"/>
+            <a:ext cx="3691203" cy="951030"/>
+          </a:xfrm>
+          <a:prstGeom prst="rect">
+            <a:avLst/>
+          </a:prstGeom>
+        </p:spPr>
+        <p:txBody>
+          <a:bodyPr wrap="none">
+            <a:spAutoFit/>
+          </a:bodyPr>
+          <a:lstStyle/>
+          <a:p>
+            <a:pPr marL="285750" indent="-285750">
+              <a:lnSpc>
+                <a:spcPct val="130000"/>
+              </a:lnSpc>
+              <a:spcBef>
+                <a:spcPct val="50000"/>
+              </a:spcBef>
+              <a:buClr>
+                <a:srgbClr val="54158D"/>
+              </a:buClr>
+              <a:buFont typeface="Wingdings" panose="05000000000000000000" pitchFamily="2" charset="2"/>
+              <a:buChar char="ü"/>
+            </a:pPr>
+            <a:r>
+              <a:rPr lang="ko-KR" altLang="en-US" dirty="0"/>
+              <a:t>영수증 출력 </a:t>
+            </a:r>
+            <a:r>
+              <a:rPr lang="en-US" altLang="ko-KR" dirty="0" smtClean="0"/>
+              <a:t>1 - resize (p7)</a:t>
+            </a:r>
+          </a:p>
+          <a:p>
+            <a:pPr>
+              <a:lnSpc>
+                <a:spcPct val="130000"/>
+              </a:lnSpc>
+              <a:spcBef>
+                <a:spcPct val="50000"/>
+              </a:spcBef>
+              <a:buClr>
+                <a:srgbClr val="54158D"/>
+              </a:buClr>
+            </a:pPr>
+            <a:r>
+              <a:rPr lang="ko-KR" altLang="en-US" dirty="0" smtClean="0"/>
+              <a:t>너비 </a:t>
+            </a:r>
+            <a:r>
+              <a:rPr lang="en-US" altLang="ko-KR" dirty="0" smtClean="0"/>
+              <a:t>48byte</a:t>
+            </a:r>
+            <a:r>
+              <a:rPr lang="ko-KR" altLang="en-US" dirty="0" smtClean="0"/>
+              <a:t>에서 </a:t>
+            </a:r>
+            <a:r>
+              <a:rPr lang="en-US" altLang="ko-KR" dirty="0" smtClean="0"/>
+              <a:t>41byte</a:t>
+            </a:r>
+            <a:r>
+              <a:rPr lang="ko-KR" altLang="en-US" dirty="0" smtClean="0"/>
+              <a:t>으로 조정</a:t>
+            </a:r>
+            <a:endParaRPr lang="ko-KR" altLang="en-US" dirty="0"/>
+          </a:p>
+        </p:txBody>
+      </p:sp>
+      <p:pic>
+        <p:nvPicPr>
+          <p:cNvPr id="5" name="그림 4"/>
+          <p:cNvPicPr>
+            <a:picLocks noChangeAspect="1"/>
+          </p:cNvPicPr>
+          <p:nvPr/>
+        </p:nvPicPr>
+        <p:blipFill>
+          <a:blip r:embed="rId2"/>
+          <a:stretch>
+            <a:fillRect/>
+          </a:stretch>
+        </p:blipFill>
+        <p:spPr>
+          <a:xfrm>
+            <a:off x="4278923" y="0"/>
+            <a:ext cx="7913077" cy="6858000"/>
+          </a:xfrm>
+          <a:prstGeom prst="rect">
+            <a:avLst/>
+          </a:prstGeom>
+        </p:spPr>
+      </p:pic>
+      <p:sp>
+        <p:nvSpPr>
+          <p:cNvPr id="7" name="직사각형 6"/>
+          <p:cNvSpPr/>
+          <p:nvPr/>
+        </p:nvSpPr>
+        <p:spPr>
+          <a:xfrm>
+            <a:off x="4775201" y="2524369"/>
+            <a:ext cx="5955323" cy="695569"/>
+          </a:xfrm>
+          <a:prstGeom prst="rect">
+            <a:avLst/>
+          </a:prstGeom>
+          <a:noFill/>
+          <a:ln>
+            <a:solidFill>
+              <a:srgbClr val="FF0000"/>
+            </a:solidFill>
+          </a:ln>
+        </p:spPr>
+        <p:style>
+          <a:lnRef idx="2">
+            <a:schemeClr val="accent1">
+              <a:shade val="50000"/>
+            </a:schemeClr>
+          </a:lnRef>
+          <a:fillRef idx="1">
+            <a:schemeClr val="accent1"/>
+          </a:fillRef>
+          <a:effectRef idx="0">
+            <a:schemeClr val="accent1"/>
+          </a:effectRef>
+          <a:fontRef idx="minor">
+            <a:schemeClr val="lt1"/>
+          </a:fontRef>
+        </p:style>
+        <p:txBody>
+          <a:bodyPr rtlCol="0" anchor="ctr"/>
+          <a:lstStyle/>
+          <a:p>
+            <a:pPr algn="ctr"/>
+            <a:endParaRPr lang="ko-KR" altLang="en-US"/>
+          </a:p>
+        </p:txBody>
+      </p:sp>
+      <p:pic>
+        <p:nvPicPr>
+          <p:cNvPr id="3" name="그림 2"/>
+          <p:cNvPicPr>
+            <a:picLocks noChangeAspect="1"/>
+          </p:cNvPicPr>
+          <p:nvPr/>
+        </p:nvPicPr>
+        <p:blipFill rotWithShape="1">
+          <a:blip r:embed="rId3" cstate="print">
+            <a:extLst>
+              <a:ext uri="{28A0092B-C50C-407E-A947-70E740481C1C}">
+                <a14:useLocalDpi xmlns:a14="http://schemas.microsoft.com/office/drawing/2010/main" val="0"/>
+              </a:ext>
+            </a:extLst>
+          </a:blip>
+          <a:srcRect l="6147" t="28571" r="6596" b="13334"/>
+          <a:stretch/>
+        </p:blipFill>
+        <p:spPr>
+          <a:xfrm>
+            <a:off x="9662992" y="3331028"/>
+            <a:ext cx="2529008" cy="2989719"/>
           </a:xfrm>
           <a:prstGeom prst="rect">
             <a:avLst/>
@@ -3484,6 +5734,234 @@
           <p:nvPr/>
         </p:nvPicPr>
         <p:blipFill>
+          <a:blip r:embed="rId4"/>
+          <a:stretch>
+            <a:fillRect/>
+          </a:stretch>
+        </p:blipFill>
+        <p:spPr>
+          <a:xfrm>
+            <a:off x="-11956" y="1630299"/>
+            <a:ext cx="4190246" cy="5227701"/>
+          </a:xfrm>
+          <a:prstGeom prst="rect">
+            <a:avLst/>
+          </a:prstGeom>
+        </p:spPr>
+      </p:pic>
+    </p:spTree>
+    <p:extLst>
+      <p:ext uri="{BB962C8B-B14F-4D97-AF65-F5344CB8AC3E}">
+        <p14:creationId xmlns:p14="http://schemas.microsoft.com/office/powerpoint/2010/main" val="3482672824"/>
+      </p:ext>
+    </p:extLst>
+  </p:cSld>
+  <p:clrMapOvr>
+    <a:masterClrMapping/>
+  </p:clrMapOvr>
+</p:sld>
+</file>
+
+<file path=ppt/slides/slide7.xml><?xml version="1.0" encoding="utf-8"?>
+<p:sld xmlns:a="http://schemas.openxmlformats.org/drawingml/2006/main" xmlns:r="http://schemas.openxmlformats.org/officeDocument/2006/relationships" xmlns:p="http://schemas.openxmlformats.org/presentationml/2006/main">
+  <p:cSld>
+    <p:spTree>
+      <p:nvGrpSpPr>
+        <p:cNvPr id="1" name=""/>
+        <p:cNvGrpSpPr/>
+        <p:nvPr/>
+      </p:nvGrpSpPr>
+      <p:grpSpPr>
+        <a:xfrm>
+          <a:off x="0" y="0"/>
+          <a:ext cx="0" cy="0"/>
+          <a:chOff x="0" y="0"/>
+          <a:chExt cx="0" cy="0"/>
+        </a:xfrm>
+      </p:grpSpPr>
+      <p:sp>
+        <p:nvSpPr>
+          <p:cNvPr id="2" name="직사각형 1"/>
+          <p:cNvSpPr/>
+          <p:nvPr/>
+        </p:nvSpPr>
+        <p:spPr>
+          <a:xfrm>
+            <a:off x="0" y="0"/>
+            <a:ext cx="2404826" cy="452432"/>
+          </a:xfrm>
+          <a:prstGeom prst="rect">
+            <a:avLst/>
+          </a:prstGeom>
+        </p:spPr>
+        <p:txBody>
+          <a:bodyPr wrap="none">
+            <a:spAutoFit/>
+          </a:bodyPr>
+          <a:lstStyle/>
+          <a:p>
+            <a:pPr marL="285750" indent="-285750">
+              <a:lnSpc>
+                <a:spcPct val="130000"/>
+              </a:lnSpc>
+              <a:spcBef>
+                <a:spcPct val="50000"/>
+              </a:spcBef>
+              <a:buClr>
+                <a:srgbClr val="54158D"/>
+              </a:buClr>
+              <a:buFont typeface="Wingdings" panose="05000000000000000000" pitchFamily="2" charset="2"/>
+              <a:buChar char="ü"/>
+            </a:pPr>
+            <a:r>
+              <a:rPr lang="ko-KR" altLang="en-US" dirty="0"/>
+              <a:t>영수증 출력 </a:t>
+            </a:r>
+            <a:r>
+              <a:rPr lang="en-US" altLang="ko-KR" dirty="0" smtClean="0"/>
+              <a:t>2 (p8)</a:t>
+            </a:r>
+            <a:endParaRPr lang="ko-KR" altLang="en-US" dirty="0"/>
+          </a:p>
+        </p:txBody>
+      </p:sp>
+      <p:pic>
+        <p:nvPicPr>
+          <p:cNvPr id="3" name="그림 2"/>
+          <p:cNvPicPr>
+            <a:picLocks noChangeAspect="1"/>
+          </p:cNvPicPr>
+          <p:nvPr/>
+        </p:nvPicPr>
+        <p:blipFill>
+          <a:blip r:embed="rId2"/>
+          <a:stretch>
+            <a:fillRect/>
+          </a:stretch>
+        </p:blipFill>
+        <p:spPr>
+          <a:xfrm>
+            <a:off x="3705683" y="0"/>
+            <a:ext cx="8486317" cy="6858000"/>
+          </a:xfrm>
+          <a:prstGeom prst="rect">
+            <a:avLst/>
+          </a:prstGeom>
+        </p:spPr>
+      </p:pic>
+      <p:sp>
+        <p:nvSpPr>
+          <p:cNvPr id="5" name="직사각형 4"/>
+          <p:cNvSpPr/>
+          <p:nvPr/>
+        </p:nvSpPr>
+        <p:spPr>
+          <a:xfrm>
+            <a:off x="4345355" y="4923692"/>
+            <a:ext cx="6580553" cy="1934308"/>
+          </a:xfrm>
+          <a:prstGeom prst="rect">
+            <a:avLst/>
+          </a:prstGeom>
+          <a:noFill/>
+          <a:ln>
+            <a:solidFill>
+              <a:srgbClr val="FF0000"/>
+            </a:solidFill>
+          </a:ln>
+        </p:spPr>
+        <p:style>
+          <a:lnRef idx="2">
+            <a:schemeClr val="accent1">
+              <a:shade val="50000"/>
+            </a:schemeClr>
+          </a:lnRef>
+          <a:fillRef idx="1">
+            <a:schemeClr val="accent1"/>
+          </a:fillRef>
+          <a:effectRef idx="0">
+            <a:schemeClr val="accent1"/>
+          </a:effectRef>
+          <a:fontRef idx="minor">
+            <a:schemeClr val="lt1"/>
+          </a:fontRef>
+        </p:style>
+        <p:txBody>
+          <a:bodyPr rtlCol="0" anchor="ctr"/>
+          <a:lstStyle/>
+          <a:p>
+            <a:pPr algn="ctr"/>
+            <a:endParaRPr lang="ko-KR" altLang="en-US"/>
+          </a:p>
+        </p:txBody>
+      </p:sp>
+      <p:sp>
+        <p:nvSpPr>
+          <p:cNvPr id="6" name="직사각형 5"/>
+          <p:cNvSpPr/>
+          <p:nvPr/>
+        </p:nvSpPr>
+        <p:spPr>
+          <a:xfrm>
+            <a:off x="10238154" y="4923692"/>
+            <a:ext cx="687754" cy="406400"/>
+          </a:xfrm>
+          <a:prstGeom prst="rect">
+            <a:avLst/>
+          </a:prstGeom>
+          <a:solidFill>
+            <a:schemeClr val="bg1"/>
+          </a:solidFill>
+          <a:ln>
+            <a:noFill/>
+          </a:ln>
+        </p:spPr>
+        <p:style>
+          <a:lnRef idx="2">
+            <a:schemeClr val="accent1">
+              <a:shade val="50000"/>
+            </a:schemeClr>
+          </a:lnRef>
+          <a:fillRef idx="1">
+            <a:schemeClr val="accent1"/>
+          </a:fillRef>
+          <a:effectRef idx="0">
+            <a:schemeClr val="accent1"/>
+          </a:effectRef>
+          <a:fontRef idx="minor">
+            <a:schemeClr val="lt1"/>
+          </a:fontRef>
+        </p:style>
+        <p:txBody>
+          <a:bodyPr rtlCol="0" anchor="ctr"/>
+          <a:lstStyle/>
+          <a:p>
+            <a:pPr algn="ctr"/>
+            <a:r>
+              <a:rPr lang="ko-KR" altLang="en-US" dirty="0" smtClean="0">
+                <a:solidFill>
+                  <a:srgbClr val="FF0000"/>
+                </a:solidFill>
+              </a:rPr>
+              <a:t>계산</a:t>
+            </a:r>
+            <a:endParaRPr lang="ko-KR" altLang="en-US" dirty="0">
+              <a:solidFill>
+                <a:srgbClr val="FF0000"/>
+              </a:solidFill>
+            </a:endParaRPr>
+          </a:p>
+        </p:txBody>
+      </p:sp>
+      <p:pic>
+        <p:nvPicPr>
+          <p:cNvPr id="7" name="그림 6"/>
+          <p:cNvPicPr>
+            <a:picLocks noChangeAspect="1"/>
+          </p:cNvPicPr>
+          <p:nvPr/>
+        </p:nvPicPr>
+        <p:blipFill>
           <a:blip r:embed="rId3"/>
           <a:stretch>
             <a:fillRect/>
@@ -3491,8 +5969,8 @@
         </p:blipFill>
         <p:spPr>
           <a:xfrm>
-            <a:off x="0" y="2943225"/>
-            <a:ext cx="3476625" cy="3914775"/>
+            <a:off x="28090" y="452432"/>
+            <a:ext cx="3357757" cy="6405568"/>
           </a:xfrm>
           <a:prstGeom prst="rect">
             <a:avLst/>
@@ -3502,7 +5980,415 @@
     </p:spTree>
     <p:extLst>
       <p:ext uri="{BB962C8B-B14F-4D97-AF65-F5344CB8AC3E}">
-        <p14:creationId xmlns:p14="http://schemas.microsoft.com/office/powerpoint/2010/main" val="4012306085"/>
+        <p14:creationId xmlns:p14="http://schemas.microsoft.com/office/powerpoint/2010/main" val="3078905681"/>
+      </p:ext>
+    </p:extLst>
+  </p:cSld>
+  <p:clrMapOvr>
+    <a:masterClrMapping/>
+  </p:clrMapOvr>
+</p:sld>
+</file>
+
+<file path=ppt/slides/slide8.xml><?xml version="1.0" encoding="utf-8"?>
+<p:sld xmlns:a="http://schemas.openxmlformats.org/drawingml/2006/main" xmlns:r="http://schemas.openxmlformats.org/officeDocument/2006/relationships" xmlns:p="http://schemas.openxmlformats.org/presentationml/2006/main">
+  <p:cSld>
+    <p:spTree>
+      <p:nvGrpSpPr>
+        <p:cNvPr id="1" name=""/>
+        <p:cNvGrpSpPr/>
+        <p:nvPr/>
+      </p:nvGrpSpPr>
+      <p:grpSpPr>
+        <a:xfrm>
+          <a:off x="0" y="0"/>
+          <a:ext cx="0" cy="0"/>
+          <a:chOff x="0" y="0"/>
+          <a:chExt cx="0" cy="0"/>
+        </a:xfrm>
+      </p:grpSpPr>
+      <p:pic>
+        <p:nvPicPr>
+          <p:cNvPr id="3" name="그림 2"/>
+          <p:cNvPicPr>
+            <a:picLocks noChangeAspect="1"/>
+          </p:cNvPicPr>
+          <p:nvPr/>
+        </p:nvPicPr>
+        <p:blipFill>
+          <a:blip r:embed="rId2"/>
+          <a:stretch>
+            <a:fillRect/>
+          </a:stretch>
+        </p:blipFill>
+        <p:spPr>
+          <a:xfrm>
+            <a:off x="3423655" y="0"/>
+            <a:ext cx="8768345" cy="6858000"/>
+          </a:xfrm>
+          <a:prstGeom prst="rect">
+            <a:avLst/>
+          </a:prstGeom>
+        </p:spPr>
+      </p:pic>
+      <p:sp>
+        <p:nvSpPr>
+          <p:cNvPr id="2" name="직사각형 1"/>
+          <p:cNvSpPr/>
+          <p:nvPr/>
+        </p:nvSpPr>
+        <p:spPr>
+          <a:xfrm>
+            <a:off x="0" y="0"/>
+            <a:ext cx="2404826" cy="452432"/>
+          </a:xfrm>
+          <a:prstGeom prst="rect">
+            <a:avLst/>
+          </a:prstGeom>
+        </p:spPr>
+        <p:txBody>
+          <a:bodyPr wrap="none">
+            <a:spAutoFit/>
+          </a:bodyPr>
+          <a:lstStyle/>
+          <a:p>
+            <a:pPr marL="285750" indent="-285750">
+              <a:lnSpc>
+                <a:spcPct val="130000"/>
+              </a:lnSpc>
+              <a:spcBef>
+                <a:spcPct val="50000"/>
+              </a:spcBef>
+              <a:buClr>
+                <a:srgbClr val="54158D"/>
+              </a:buClr>
+              <a:buFont typeface="Wingdings" panose="05000000000000000000" pitchFamily="2" charset="2"/>
+              <a:buChar char="ü"/>
+            </a:pPr>
+            <a:r>
+              <a:rPr lang="ko-KR" altLang="en-US" dirty="0"/>
+              <a:t>영수증 출력 </a:t>
+            </a:r>
+            <a:r>
+              <a:rPr lang="en-US" altLang="ko-KR" dirty="0" smtClean="0"/>
+              <a:t>2 (p8)</a:t>
+            </a:r>
+            <a:endParaRPr lang="ko-KR" altLang="en-US" dirty="0"/>
+          </a:p>
+        </p:txBody>
+      </p:sp>
+      <p:sp>
+        <p:nvSpPr>
+          <p:cNvPr id="5" name="직사각형 4"/>
+          <p:cNvSpPr/>
+          <p:nvPr/>
+        </p:nvSpPr>
+        <p:spPr>
+          <a:xfrm>
+            <a:off x="3993662" y="2274276"/>
+            <a:ext cx="8198338" cy="3212123"/>
+          </a:xfrm>
+          <a:prstGeom prst="rect">
+            <a:avLst/>
+          </a:prstGeom>
+          <a:noFill/>
+          <a:ln>
+            <a:solidFill>
+              <a:srgbClr val="FF0000"/>
+            </a:solidFill>
+          </a:ln>
+        </p:spPr>
+        <p:style>
+          <a:lnRef idx="2">
+            <a:schemeClr val="accent1">
+              <a:shade val="50000"/>
+            </a:schemeClr>
+          </a:lnRef>
+          <a:fillRef idx="1">
+            <a:schemeClr val="accent1"/>
+          </a:fillRef>
+          <a:effectRef idx="0">
+            <a:schemeClr val="accent1"/>
+          </a:effectRef>
+          <a:fontRef idx="minor">
+            <a:schemeClr val="lt1"/>
+          </a:fontRef>
+        </p:style>
+        <p:txBody>
+          <a:bodyPr rtlCol="0" anchor="ctr"/>
+          <a:lstStyle/>
+          <a:p>
+            <a:pPr algn="ctr"/>
+            <a:endParaRPr lang="ko-KR" altLang="en-US"/>
+          </a:p>
+        </p:txBody>
+      </p:sp>
+      <p:sp>
+        <p:nvSpPr>
+          <p:cNvPr id="6" name="직사각형 5"/>
+          <p:cNvSpPr/>
+          <p:nvPr/>
+        </p:nvSpPr>
+        <p:spPr>
+          <a:xfrm>
+            <a:off x="2735385" y="2274276"/>
+            <a:ext cx="1258277" cy="406400"/>
+          </a:xfrm>
+          <a:prstGeom prst="rect">
+            <a:avLst/>
+          </a:prstGeom>
+          <a:solidFill>
+            <a:schemeClr val="bg1"/>
+          </a:solidFill>
+          <a:ln>
+            <a:noFill/>
+          </a:ln>
+        </p:spPr>
+        <p:style>
+          <a:lnRef idx="2">
+            <a:schemeClr val="accent1">
+              <a:shade val="50000"/>
+            </a:schemeClr>
+          </a:lnRef>
+          <a:fillRef idx="1">
+            <a:schemeClr val="accent1"/>
+          </a:fillRef>
+          <a:effectRef idx="0">
+            <a:schemeClr val="accent1"/>
+          </a:effectRef>
+          <a:fontRef idx="minor">
+            <a:schemeClr val="lt1"/>
+          </a:fontRef>
+        </p:style>
+        <p:txBody>
+          <a:bodyPr rtlCol="0" anchor="ctr"/>
+          <a:lstStyle/>
+          <a:p>
+            <a:pPr algn="ctr"/>
+            <a:r>
+              <a:rPr lang="ko-KR" altLang="en-US" dirty="0" smtClean="0">
+                <a:solidFill>
+                  <a:srgbClr val="FF0000"/>
+                </a:solidFill>
+              </a:rPr>
+              <a:t>상품 출력</a:t>
+            </a:r>
+            <a:endParaRPr lang="ko-KR" altLang="en-US" dirty="0">
+              <a:solidFill>
+                <a:srgbClr val="FF0000"/>
+              </a:solidFill>
+            </a:endParaRPr>
+          </a:p>
+        </p:txBody>
+      </p:sp>
+    </p:spTree>
+    <p:extLst>
+      <p:ext uri="{BB962C8B-B14F-4D97-AF65-F5344CB8AC3E}">
+        <p14:creationId xmlns:p14="http://schemas.microsoft.com/office/powerpoint/2010/main" val="4248312519"/>
+      </p:ext>
+    </p:extLst>
+  </p:cSld>
+  <p:clrMapOvr>
+    <a:masterClrMapping/>
+  </p:clrMapOvr>
+</p:sld>
+</file>
+
+<file path=ppt/slides/slide9.xml><?xml version="1.0" encoding="utf-8"?>
+<p:sld xmlns:a="http://schemas.openxmlformats.org/drawingml/2006/main" xmlns:r="http://schemas.openxmlformats.org/officeDocument/2006/relationships" xmlns:p="http://schemas.openxmlformats.org/presentationml/2006/main">
+  <p:cSld>
+    <p:spTree>
+      <p:nvGrpSpPr>
+        <p:cNvPr id="1" name=""/>
+        <p:cNvGrpSpPr/>
+        <p:nvPr/>
+      </p:nvGrpSpPr>
+      <p:grpSpPr>
+        <a:xfrm>
+          <a:off x="0" y="0"/>
+          <a:ext cx="0" cy="0"/>
+          <a:chOff x="0" y="0"/>
+          <a:chExt cx="0" cy="0"/>
+        </a:xfrm>
+      </p:grpSpPr>
+      <p:sp>
+        <p:nvSpPr>
+          <p:cNvPr id="2" name="직사각형 1"/>
+          <p:cNvSpPr/>
+          <p:nvPr/>
+        </p:nvSpPr>
+        <p:spPr>
+          <a:xfrm>
+            <a:off x="0" y="0"/>
+            <a:ext cx="2404826" cy="452432"/>
+          </a:xfrm>
+          <a:prstGeom prst="rect">
+            <a:avLst/>
+          </a:prstGeom>
+        </p:spPr>
+        <p:txBody>
+          <a:bodyPr wrap="none">
+            <a:spAutoFit/>
+          </a:bodyPr>
+          <a:lstStyle/>
+          <a:p>
+            <a:pPr marL="285750" indent="-285750">
+              <a:lnSpc>
+                <a:spcPct val="130000"/>
+              </a:lnSpc>
+              <a:spcBef>
+                <a:spcPct val="50000"/>
+              </a:spcBef>
+              <a:buClr>
+                <a:srgbClr val="54158D"/>
+              </a:buClr>
+              <a:buFont typeface="Wingdings" panose="05000000000000000000" pitchFamily="2" charset="2"/>
+              <a:buChar char="ü"/>
+            </a:pPr>
+            <a:r>
+              <a:rPr lang="ko-KR" altLang="en-US" dirty="0"/>
+              <a:t>영수증 출력 </a:t>
+            </a:r>
+            <a:r>
+              <a:rPr lang="en-US" altLang="ko-KR" dirty="0" smtClean="0"/>
+              <a:t>2 (p8)</a:t>
+            </a:r>
+            <a:endParaRPr lang="ko-KR" altLang="en-US" dirty="0"/>
+          </a:p>
+        </p:txBody>
+      </p:sp>
+      <p:pic>
+        <p:nvPicPr>
+          <p:cNvPr id="9" name="그림 8"/>
+          <p:cNvPicPr>
+            <a:picLocks noChangeAspect="1"/>
+          </p:cNvPicPr>
+          <p:nvPr/>
+        </p:nvPicPr>
+        <p:blipFill>
+          <a:blip r:embed="rId2"/>
+          <a:stretch>
+            <a:fillRect/>
+          </a:stretch>
+        </p:blipFill>
+        <p:spPr>
+          <a:xfrm>
+            <a:off x="0" y="689919"/>
+            <a:ext cx="12192000" cy="5478162"/>
+          </a:xfrm>
+          <a:prstGeom prst="rect">
+            <a:avLst/>
+          </a:prstGeom>
+        </p:spPr>
+      </p:pic>
+      <p:sp>
+        <p:nvSpPr>
+          <p:cNvPr id="10" name="직사각형 9"/>
+          <p:cNvSpPr/>
+          <p:nvPr/>
+        </p:nvSpPr>
+        <p:spPr>
+          <a:xfrm>
+            <a:off x="484555" y="2024184"/>
+            <a:ext cx="11644922" cy="3923324"/>
+          </a:xfrm>
+          <a:prstGeom prst="rect">
+            <a:avLst/>
+          </a:prstGeom>
+          <a:noFill/>
+          <a:ln>
+            <a:solidFill>
+              <a:srgbClr val="FF0000"/>
+            </a:solidFill>
+          </a:ln>
+        </p:spPr>
+        <p:style>
+          <a:lnRef idx="2">
+            <a:schemeClr val="accent1">
+              <a:shade val="50000"/>
+            </a:schemeClr>
+          </a:lnRef>
+          <a:fillRef idx="1">
+            <a:schemeClr val="accent1"/>
+          </a:fillRef>
+          <a:effectRef idx="0">
+            <a:schemeClr val="accent1"/>
+          </a:effectRef>
+          <a:fontRef idx="minor">
+            <a:schemeClr val="lt1"/>
+          </a:fontRef>
+        </p:style>
+        <p:txBody>
+          <a:bodyPr rtlCol="0" anchor="ctr"/>
+          <a:lstStyle/>
+          <a:p>
+            <a:pPr algn="ctr"/>
+            <a:endParaRPr lang="ko-KR" altLang="en-US"/>
+          </a:p>
+        </p:txBody>
+      </p:sp>
+      <p:sp>
+        <p:nvSpPr>
+          <p:cNvPr id="11" name="직사각형 10"/>
+          <p:cNvSpPr/>
+          <p:nvPr/>
+        </p:nvSpPr>
+        <p:spPr>
+          <a:xfrm>
+            <a:off x="9698892" y="2024184"/>
+            <a:ext cx="2430585" cy="406400"/>
+          </a:xfrm>
+          <a:prstGeom prst="rect">
+            <a:avLst/>
+          </a:prstGeom>
+          <a:solidFill>
+            <a:schemeClr val="bg1"/>
+          </a:solidFill>
+          <a:ln>
+            <a:noFill/>
+          </a:ln>
+        </p:spPr>
+        <p:style>
+          <a:lnRef idx="2">
+            <a:schemeClr val="accent1">
+              <a:shade val="50000"/>
+            </a:schemeClr>
+          </a:lnRef>
+          <a:fillRef idx="1">
+            <a:schemeClr val="accent1"/>
+          </a:fillRef>
+          <a:effectRef idx="0">
+            <a:schemeClr val="accent1"/>
+          </a:effectRef>
+          <a:fontRef idx="minor">
+            <a:schemeClr val="lt1"/>
+          </a:fontRef>
+        </p:style>
+        <p:txBody>
+          <a:bodyPr rtlCol="0" anchor="ctr"/>
+          <a:lstStyle/>
+          <a:p>
+            <a:pPr algn="ctr"/>
+            <a:r>
+              <a:rPr lang="ko-KR" altLang="en-US" dirty="0" smtClean="0">
+                <a:solidFill>
+                  <a:srgbClr val="FF0000"/>
+                </a:solidFill>
+              </a:rPr>
+              <a:t>상품명 출력 함수</a:t>
+            </a:r>
+            <a:endParaRPr lang="ko-KR" altLang="en-US" dirty="0">
+              <a:solidFill>
+                <a:srgbClr val="FF0000"/>
+              </a:solidFill>
+            </a:endParaRPr>
+          </a:p>
+        </p:txBody>
+      </p:sp>
+    </p:spTree>
+    <p:extLst>
+      <p:ext uri="{BB962C8B-B14F-4D97-AF65-F5344CB8AC3E}">
+        <p14:creationId xmlns:p14="http://schemas.microsoft.com/office/powerpoint/2010/main" val="3448165076"/>
       </p:ext>
     </p:extLst>
   </p:cSld>
